--- a/uploads/pptx_sample.pptx
+++ b/uploads/pptx_sample.pptx
@@ -13,6 +13,7 @@
     <p:sldId id="261" r:id="rId12"/>
     <p:sldId id="262" r:id="rId13"/>
     <p:sldId id="263" r:id="rId14"/>
+    <p:sldId id="264" r:id="rId15"/>
   </p:sldIdLst>
   <p:sldSz cx="12188952" cy="6858000" type="screen4x3"/>
   <p:notesSz cx="6858000" cy="9144000"/>
@@ -3119,7 +3120,7 @@
               <a:defRPr sz="3200"/>
             </a:pPr>
             <a:r>
-              <a:t>2025년 정보처리기능사 시험 안내</a:t>
+              <a:t>제목 없음</a:t>
             </a:r>
           </a:p>
         </p:txBody>
@@ -3139,38 +3140,6 @@
           <a:bodyPr/>
           <a:lstStyle/>
           <a:p/>
-          <a:p>
-            <a:pPr>
-              <a:defRPr sz="1800"/>
-            </a:pPr>
-            <a:r>
-              <a:t>시험 일시: 2025년 08월 30일 (토) 09:00</a:t>
-            </a:r>
-          </a:p>
-          <a:p>
-            <a:pPr>
-              <a:defRPr sz="1800"/>
-            </a:pPr>
-            <a:r>
-              <a:t>시험 장소: 가락중학교 (주차절대불가)</a:t>
-            </a:r>
-          </a:p>
-          <a:p>
-            <a:pPr>
-              <a:defRPr sz="1800"/>
-            </a:pPr>
-            <a:r>
-              <a:t>접수기관: 서울강남지사</a:t>
-            </a:r>
-          </a:p>
-          <a:p>
-            <a:pPr>
-              <a:defRPr sz="1800"/>
-            </a:pPr>
-            <a:r>
-              <a:t>인터넷 접수 사이트: http://www.Q-Net.or.kr</a:t>
-            </a:r>
-          </a:p>
         </p:txBody>
       </p:sp>
     </p:spTree>
@@ -3215,7 +3184,7 @@
               <a:defRPr sz="3200"/>
             </a:pPr>
             <a:r>
-              <a:t>시험 일정 및 접수</a:t>
+              <a:t>그로스 주제 발표</a:t>
             </a:r>
           </a:p>
         </p:txBody>
@@ -3240,23 +3209,7 @@
               <a:defRPr sz="1800"/>
             </a:pPr>
             <a:r>
-              <a:t>접수 기간: 2025년 07월 28일 (월) 10:00   2025년 07월 31일 (목) 23:59</a:t>
-            </a:r>
-          </a:p>
-          <a:p>
-            <a:pPr>
-              <a:defRPr sz="1800"/>
-            </a:pPr>
-            <a:r>
-              <a:t>결제 기간: 2025년 07월 28일 (월) 10:00   2025년 08월 25일 (월) 23:59</a:t>
-            </a:r>
-          </a:p>
-          <a:p>
-            <a:pPr>
-              <a:defRPr sz="1800"/>
-            </a:pPr>
-            <a:r>
-              <a:t>검정 수수료 환불 기간: 2025년 08월 01일 (금) 00:00   2025년 08월 25일 (월) 23:59</a:t>
+              <a:t>발표 목적 및 배경 설명</a:t>
             </a:r>
           </a:p>
         </p:txBody>
@@ -3303,7 +3256,7 @@
               <a:defRPr sz="3200"/>
             </a:pPr>
             <a:r>
-              <a:t>시험 유의사항</a:t>
+              <a:t>그로스의 정의와 중요성</a:t>
             </a:r>
           </a:p>
         </p:txBody>
@@ -3328,7 +3281,7 @@
               <a:defRPr sz="1800"/>
             </a:pPr>
             <a:r>
-              <a:t>모바일 화면에서는 일부 내용이 정확히 표시되지 않을 수 있으니, 반드시 PC나 웹브라우저에서 상세 내용을 확인해주세요.</a:t>
+              <a:t>그로스는 사용자 수, 매출 등 모든 성장 관련 수치를 의미함</a:t>
             </a:r>
           </a:p>
           <a:p>
@@ -3336,15 +3289,7 @@
               <a:defRPr sz="1800"/>
             </a:pPr>
             <a:r>
-              <a:t>시험장 위치 및 날짜 확인 필요: 8호선 송파역 2번 출구에서 약 607m</a:t>
-            </a:r>
-          </a:p>
-          <a:p>
-            <a:pPr>
-              <a:defRPr sz="1800"/>
-            </a:pPr>
-            <a:r>
-              <a:t>시험장 위치 날짜 입실가능 시간 확인 필요</a:t>
+              <a:t>목표는 항상 "성장"으로 설정하며, 이를 통해 서비스의 성공과 발전을 추적하고 평가</a:t>
             </a:r>
           </a:p>
         </p:txBody>
@@ -3391,7 +3336,7 @@
               <a:defRPr sz="3200"/>
             </a:pPr>
             <a:r>
-              <a:t>인정 신분증 미지참 시험 불가</a:t>
+              <a:t>그로스 측정 지표</a:t>
             </a:r>
           </a:p>
         </p:txBody>
@@ -3416,7 +3361,7 @@
               <a:defRPr sz="1800"/>
             </a:pPr>
             <a:r>
-              <a:t>모든 수험자 공통: 모바일 신분증</a:t>
+              <a:t>KPI (Key Performance Indicator)를 활용하여 성과를 측정</a:t>
             </a:r>
           </a:p>
           <a:p>
@@ -3424,7 +3369,7 @@
               <a:defRPr sz="1800"/>
             </a:pPr>
             <a:r>
-              <a:t>적용 신분증: KB, 네이버, 토스, 스타, 삼성 카카오, 농협, 뱅크 은행</a:t>
+              <a:t>예시: DAU (Daily Active Users), 전환율 등</a:t>
             </a:r>
           </a:p>
         </p:txBody>
@@ -3471,7 +3416,7 @@
               <a:defRPr sz="3200"/>
             </a:pPr>
             <a:r>
-              <a:t>시험장 정보</a:t>
+              <a:t>그로스 향상을 위한 전략</a:t>
             </a:r>
           </a:p>
         </p:txBody>
@@ -3496,7 +3441,7 @@
               <a:defRPr sz="1800"/>
             </a:pPr>
             <a:r>
-              <a:t>시험장: 가락중학교</a:t>
+              <a:t>목표 설정 및 OKR (Objectives &amp; Key Results) 활용</a:t>
             </a:r>
           </a:p>
           <a:p>
@@ -3504,15 +3449,7 @@
               <a:defRPr sz="1800"/>
             </a:pPr>
             <a:r>
-              <a:t>주차 불가: 주차절대불가</a:t>
-            </a:r>
-          </a:p>
-          <a:p>
-            <a:pPr>
-              <a:defRPr sz="1800"/>
-            </a:pPr>
-            <a:r>
-              <a:t>승강기: 있음</a:t>
+              <a:t>예시: 새로운 기능 추가, 마케팅 전략 변경 등</a:t>
             </a:r>
           </a:p>
         </p:txBody>
@@ -3559,7 +3496,7 @@
               <a:defRPr sz="3200"/>
             </a:pPr>
             <a:r>
-              <a:t>결과 발표 및 환불</a:t>
+              <a:t>성공 사례와 실패 사례</a:t>
             </a:r>
           </a:p>
         </p:txBody>
@@ -3584,7 +3521,7 @@
               <a:defRPr sz="1800"/>
             </a:pPr>
             <a:r>
-              <a:t>발표일자: 2025년 09월 30일 (화) 09:00</a:t>
+              <a:t>성공 사례: 사용자 수 증가, 매출 상승 등</a:t>
             </a:r>
           </a:p>
           <a:p>
@@ -3592,7 +3529,7 @@
               <a:defRPr sz="1800"/>
             </a:pPr>
             <a:r>
-              <a:t>발표 사이트: http://www.Q-Net.or.kr</a:t>
+              <a:t>실패 사례: 잘못된 전략으로 인한 성장 저하</a:t>
             </a:r>
           </a:p>
           <a:p>
@@ -3600,15 +3537,7 @@
               <a:defRPr sz="1800"/>
             </a:pPr>
             <a:r>
-              <a:t>ARS: 1666-0100 (개별통보 하지 않음)</a:t>
-            </a:r>
-          </a:p>
-          <a:p>
-            <a:pPr>
-              <a:defRPr sz="1800"/>
-            </a:pPr>
-            <a:r>
-              <a:t>발표일로부터 4일간 환불 가능: 2025년 07월 28일 (월) 10:00   2025년 07월 31일 (목) 23:59</a:t>
+              <a:t>레퍼런스 및 도표로 강조</a:t>
             </a:r>
           </a:p>
         </p:txBody>
@@ -3655,7 +3584,7 @@
               <a:defRPr sz="3200"/>
             </a:pPr>
             <a:r>
-              <a:t>기타 사항</a:t>
+              <a:t>그로스 관리의 주요 요소</a:t>
             </a:r>
           </a:p>
         </p:txBody>
@@ -3680,7 +3609,7 @@
               <a:defRPr sz="1800"/>
             </a:pPr>
             <a:r>
-              <a:t>선택과목: 필답형: 해당없음</a:t>
+              <a:t>백로그 (Backlog) 관리</a:t>
             </a:r>
           </a:p>
           <a:p>
@@ -3688,7 +3617,7 @@
               <a:defRPr sz="1800"/>
             </a:pPr>
             <a:r>
-              <a:t>면제과목: 필답형: 해당없음</a:t>
+              <a:t>테크 부채 (Technical Debt) 감소</a:t>
             </a:r>
           </a:p>
           <a:p>
@@ -3696,7 +3625,7 @@
               <a:defRPr sz="1800"/>
             </a:pPr>
             <a:r>
-              <a:t>편의제공 요청 사항: 해당없음</a:t>
+              <a:t>QA (Quality Assurance) 중요성</a:t>
             </a:r>
           </a:p>
         </p:txBody>
@@ -3743,7 +3672,7 @@
               <a:defRPr sz="3200"/>
             </a:pPr>
             <a:r>
-              <a:t>결론 및 권고</a:t>
+              <a:t>실질적인 액션 아이템 제시</a:t>
             </a:r>
           </a:p>
         </p:txBody>
@@ -3768,7 +3697,7 @@
               <a:defRPr sz="1800"/>
             </a:pPr>
             <a:r>
-              <a:t>시험 일정 및 장소 확인 필수</a:t>
+              <a:t>앞으로 해야 할 일, 개선점 등 다음 단계를 명확히</a:t>
             </a:r>
           </a:p>
           <a:p>
@@ -3776,15 +3705,79 @@
               <a:defRPr sz="1800"/>
             </a:pPr>
             <a:r>
-              <a:t>모바일 신분증 미지참 시험 불가</a:t>
-            </a:r>
-          </a:p>
+              <a:t>예시: 특정 기능 개발, 마케팅 캠페인 실행</a:t>
+            </a:r>
+          </a:p>
+        </p:txBody>
+      </p:sp>
+    </p:spTree>
+  </p:cSld>
+  <p:clrMapOvr>
+    <a:masterClrMapping/>
+  </p:clrMapOvr>
+</p:sld>
+</file>
+
+<file path=ppt/slides/slide9.xml><?xml version="1.0" encoding="utf-8"?>
+<p:sld xmlns:a="http://schemas.openxmlformats.org/drawingml/2006/main" xmlns:p="http://schemas.openxmlformats.org/presentationml/2006/main" xmlns:r="http://schemas.openxmlformats.org/officeDocument/2006/relationships">
+  <p:cSld>
+    <p:spTree>
+      <p:nvGrpSpPr>
+        <p:cNvPr id="1" name=""/>
+        <p:cNvGrpSpPr/>
+        <p:nvPr/>
+      </p:nvGrpSpPr>
+      <p:grpSpPr/>
+      <p:sp>
+        <p:nvSpPr>
+          <p:cNvPr id="2" name="Title 1"/>
+          <p:cNvSpPr>
+            <a:spLocks noGrp="1"/>
+          </p:cNvSpPr>
+          <p:nvPr>
+            <p:ph type="title"/>
+          </p:nvPr>
+        </p:nvSpPr>
+        <p:spPr>
+          <a:xfrm>
+            <a:off x="274320" y="274320"/>
+            <a:ext cx="11612880" cy="1371600"/>
+          </a:xfrm>
+        </p:spPr>
+        <p:txBody>
+          <a:bodyPr/>
+          <a:lstStyle/>
+          <a:p>
+            <a:pPr>
+              <a:defRPr sz="3200"/>
+            </a:pPr>
+            <a:r>
+              <a:t>결론 및 권고</a:t>
+            </a:r>
+          </a:p>
+        </p:txBody>
+      </p:sp>
+      <p:sp>
+        <p:nvSpPr>
+          <p:cNvPr id="3" name="Content Placeholder 2"/>
+          <p:cNvSpPr>
+            <a:spLocks noGrp="1"/>
+          </p:cNvSpPr>
+          <p:nvPr>
+            <p:ph idx="1"/>
+          </p:nvPr>
+        </p:nvSpPr>
+        <p:spPr/>
+        <p:txBody>
+          <a:bodyPr/>
+          <a:lstStyle/>
+          <a:p/>
           <a:p>
             <a:pPr>
               <a:defRPr sz="1800"/>
             </a:pPr>
             <a:r>
-              <a:t>시험장 위치 및 날짜 확인 필수</a:t>
+              <a:t>그로스는 서비스 성장의 핵심 지표임을 강조</a:t>
             </a:r>
           </a:p>
           <a:p>
@@ -3792,7 +3785,7 @@
               <a:defRPr sz="1800"/>
             </a:pPr>
             <a:r>
-              <a:t>환불 기간 내 환불 가능</a:t>
+              <a:t>정확한 KPI 설정과 실질적인 액션 아이템 필요성 강조</a:t>
             </a:r>
           </a:p>
           <a:p>
@@ -3800,7 +3793,7 @@
               <a:defRPr sz="1800"/>
             </a:pPr>
             <a:r>
-              <a:t>필독 사항 확인 필수</a:t>
+              <a:t>이 슬라이드들은 [발표자료]와 [참고자료]의 내용을 반영하며, 각 슬라이드의 제목과 핵심 포인트를 일치시키고 있습니다. 필요에 따라 추가적인 내용이나 그래프, 도표 등을 포함할 수 있습니다.</a:t>
             </a:r>
           </a:p>
         </p:txBody>

--- a/uploads/pptx_sample.pptx
+++ b/uploads/pptx_sample.pptx
@@ -14,6 +14,7 @@
     <p:sldId id="262" r:id="rId13"/>
     <p:sldId id="263" r:id="rId14"/>
     <p:sldId id="264" r:id="rId15"/>
+    <p:sldId id="265" r:id="rId16"/>
   </p:sldIdLst>
   <p:sldSz cx="12188952" cy="6858000" type="screen4x3"/>
   <p:notesSz cx="6858000" cy="9144000"/>
@@ -3150,6 +3151,94 @@
 </p:sld>
 </file>
 
+<file path=ppt/slides/slide10.xml><?xml version="1.0" encoding="utf-8"?>
+<p:sld xmlns:a="http://schemas.openxmlformats.org/drawingml/2006/main" xmlns:p="http://schemas.openxmlformats.org/presentationml/2006/main" xmlns:r="http://schemas.openxmlformats.org/officeDocument/2006/relationships">
+  <p:cSld>
+    <p:spTree>
+      <p:nvGrpSpPr>
+        <p:cNvPr id="1" name=""/>
+        <p:cNvGrpSpPr/>
+        <p:nvPr/>
+      </p:nvGrpSpPr>
+      <p:grpSpPr/>
+      <p:sp>
+        <p:nvSpPr>
+          <p:cNvPr id="2" name="Title 1"/>
+          <p:cNvSpPr>
+            <a:spLocks noGrp="1"/>
+          </p:cNvSpPr>
+          <p:nvPr>
+            <p:ph type="title"/>
+          </p:nvPr>
+        </p:nvSpPr>
+        <p:spPr>
+          <a:xfrm>
+            <a:off x="274320" y="274320"/>
+            <a:ext cx="11612880" cy="1371600"/>
+          </a:xfrm>
+        </p:spPr>
+        <p:txBody>
+          <a:bodyPr/>
+          <a:lstStyle/>
+          <a:p>
+            <a:pPr>
+              <a:defRPr sz="3200"/>
+            </a:pPr>
+            <a:r>
+              <a:t>Q&amp;A</a:t>
+            </a:r>
+          </a:p>
+        </p:txBody>
+      </p:sp>
+      <p:sp>
+        <p:nvSpPr>
+          <p:cNvPr id="3" name="Content Placeholder 2"/>
+          <p:cNvSpPr>
+            <a:spLocks noGrp="1"/>
+          </p:cNvSpPr>
+          <p:nvPr>
+            <p:ph idx="1"/>
+          </p:nvPr>
+        </p:nvSpPr>
+        <p:spPr/>
+        <p:txBody>
+          <a:bodyPr/>
+          <a:lstStyle/>
+          <a:p/>
+          <a:p>
+            <a:pPr>
+              <a:defRPr sz="1800"/>
+            </a:pPr>
+            <a:r>
+              <a:t>**핵심 포인트:**</a:t>
+            </a:r>
+          </a:p>
+          <a:p>
+            <a:pPr>
+              <a:defRPr sz="1800"/>
+            </a:pPr>
+            <a:r>
+              <a:t>질문이 있으시면 언제든지 물어보세요.</a:t>
+            </a:r>
+          </a:p>
+          <a:p>
+            <a:pPr>
+              <a:defRPr sz="1800"/>
+            </a:pPr>
+            <a:r>
+              <a:t>이 슬라이드들은 [발표자료]와 [참고자료]의 내용을 반영하며, 각 슬라이드의 제목과 핵심 포인트를 일치시키고 있습니다.</a:t>
+            </a:r>
+          </a:p>
+        </p:txBody>
+      </p:sp>
+    </p:spTree>
+  </p:cSld>
+  <p:clrMapOvr>
+    <a:masterClrMapping/>
+  </p:clrMapOvr>
+</p:sld>
+</file>
+
 <file path=ppt/slides/slide2.xml><?xml version="1.0" encoding="utf-8"?>
 <p:sld xmlns:a="http://schemas.openxmlformats.org/drawingml/2006/main" xmlns:p="http://schemas.openxmlformats.org/presentationml/2006/main" xmlns:r="http://schemas.openxmlformats.org/officeDocument/2006/relationships">
   <p:cSld>
@@ -3184,7 +3273,7 @@
               <a:defRPr sz="3200"/>
             </a:pPr>
             <a:r>
-              <a:t>그로스 주제 발표</a:t>
+              <a:t>FlowMate 소개 및 목적</a:t>
             </a:r>
           </a:p>
         </p:txBody>
@@ -3209,7 +3298,23 @@
               <a:defRPr sz="1800"/>
             </a:pPr>
             <a:r>
-              <a:t>발표 목적 및 배경 설명</a:t>
+              <a:t>**핵심 포인트:**</a:t>
+            </a:r>
+          </a:p>
+          <a:p>
+            <a:pPr>
+              <a:defRPr sz="1800"/>
+            </a:pPr>
+            <a:r>
+              <a:t>FlowMate는 신입사원들의 온보딩을 돕는 AI입니다.</a:t>
+            </a:r>
+          </a:p>
+          <a:p>
+            <a:pPr>
+              <a:defRPr sz="1800"/>
+            </a:pPr>
+            <a:r>
+              <a:t>문서 작성, 발표 준비 등 다양한 업무를 지원합니다.</a:t>
             </a:r>
           </a:p>
         </p:txBody>
@@ -3256,7 +3361,7 @@
               <a:defRPr sz="3200"/>
             </a:pPr>
             <a:r>
-              <a:t>그로스의 정의와 중요성</a:t>
+              <a:t>신입사원 자주하는 실수와 예방 팁</a:t>
             </a:r>
           </a:p>
         </p:txBody>
@@ -3281,7 +3386,7 @@
               <a:defRPr sz="1800"/>
             </a:pPr>
             <a:r>
-              <a:t>그로스는 사용자 수, 매출 등 모든 성장 관련 수치를 의미함</a:t>
+              <a:t>**핵심 포인트:**</a:t>
             </a:r>
           </a:p>
           <a:p>
@@ -3289,7 +3394,39 @@
               <a:defRPr sz="1800"/>
             </a:pPr>
             <a:r>
-              <a:t>목표는 항상 "성장"으로 설정하며, 이를 통해 서비스의 성공과 발전을 추적하고 평가</a:t>
+              <a:t>모든 걸 메모 없이 기억하려 함 → 회의·피드백 즉시 기록.</a:t>
+            </a:r>
+          </a:p>
+          <a:p>
+            <a:pPr>
+              <a:defRPr sz="1800"/>
+            </a:pPr>
+            <a:r>
+              <a:t>데드라인 직전에 보고 → 중간 진행 상황을 미리 공유.</a:t>
+            </a:r>
+          </a:p>
+          <a:p>
+            <a:pPr>
+              <a:defRPr sz="1800"/>
+            </a:pPr>
+            <a:r>
+              <a:t>용어/배경 모르면 넘어감 → 즉시 질문하거나 레퍼런스 찾기.</a:t>
+            </a:r>
+          </a:p>
+          <a:p>
+            <a:pPr>
+              <a:defRPr sz="1800"/>
+            </a:pPr>
+            <a:r>
+              <a:t>‘완벽’에 집착 → MVP 마인드로 빠르게 시안·프로토타입 공유.</a:t>
+            </a:r>
+          </a:p>
+          <a:p>
+            <a:pPr>
+              <a:defRPr sz="1800"/>
+            </a:pPr>
+            <a:r>
+              <a:t>커뮤니케이션 생략 → 작은 변경도 관련자에게 공유.</a:t>
             </a:r>
           </a:p>
         </p:txBody>
@@ -3336,7 +3473,7 @@
               <a:defRPr sz="3200"/>
             </a:pPr>
             <a:r>
-              <a:t>그로스 측정 지표</a:t>
+              <a:t>성과관리, 성장관리 방법</a:t>
             </a:r>
           </a:p>
         </p:txBody>
@@ -3361,7 +3498,7 @@
               <a:defRPr sz="1800"/>
             </a:pPr>
             <a:r>
-              <a:t>KPI (Key Performance Indicator)를 활용하여 성과를 측정</a:t>
+              <a:t>**핵심 포인트:**</a:t>
             </a:r>
           </a:p>
           <a:p>
@@ -3369,7 +3506,23 @@
               <a:defRPr sz="1800"/>
             </a:pPr>
             <a:r>
-              <a:t>예시: DAU (Daily Active Users), 전환율 등</a:t>
+              <a:t>KPI·OKR 연계: 본인 업무가 조직 KPI에 어떻게 기여하는지 이해.</a:t>
+            </a:r>
+          </a:p>
+          <a:p>
+            <a:pPr>
+              <a:defRPr sz="1800"/>
+            </a:pPr>
+            <a:r>
+              <a:t>자기 점검 주기: 주간/월간으로 목표 대비 진척 점검.</a:t>
+            </a:r>
+          </a:p>
+          <a:p>
+            <a:pPr>
+              <a:defRPr sz="1800"/>
+            </a:pPr>
+            <a:r>
+              <a:t>피봇: 한계를 느끼고 사업/서비스의 방향 전환.</a:t>
             </a:r>
           </a:p>
         </p:txBody>
@@ -3416,7 +3569,7 @@
               <a:defRPr sz="3200"/>
             </a:pPr>
             <a:r>
-              <a:t>그로스 향상을 위한 전략</a:t>
+              <a:t>비즈니스 용어</a:t>
             </a:r>
           </a:p>
         </p:txBody>
@@ -3441,7 +3594,7 @@
               <a:defRPr sz="1800"/>
             </a:pPr>
             <a:r>
-              <a:t>목표 설정 및 OKR (Objectives &amp; Key Results) 활용</a:t>
+              <a:t>**핵심 포인트:**</a:t>
             </a:r>
           </a:p>
           <a:p>
@@ -3449,7 +3602,15 @@
               <a:defRPr sz="1800"/>
             </a:pPr>
             <a:r>
-              <a:t>예시: 새로운 기능 추가, 마케팅 전략 변경 등</a:t>
+              <a:t>그로스: 사용자, 매출 등 모든 성장 수치. 목표는 늘 "성장"이다.</a:t>
+            </a:r>
+          </a:p>
+          <a:p>
+            <a:pPr>
+              <a:defRPr sz="1800"/>
+            </a:pPr>
+            <a:r>
+              <a:t>MVP (Minimum Viable Product): 핵심 기능만 담은 시제품. 빠른 시장검증이 목적.</a:t>
             </a:r>
           </a:p>
         </p:txBody>
@@ -3496,7 +3657,7 @@
               <a:defRPr sz="3200"/>
             </a:pPr>
             <a:r>
-              <a:t>성공 사례와 실패 사례</a:t>
+              <a:t>주요 비즈니스 용어</a:t>
             </a:r>
           </a:p>
         </p:txBody>
@@ -3521,7 +3682,7 @@
               <a:defRPr sz="1800"/>
             </a:pPr>
             <a:r>
-              <a:t>성공 사례: 사용자 수 증가, 매출 상승 등</a:t>
+              <a:t>**핵심 포인트:**</a:t>
             </a:r>
           </a:p>
           <a:p>
@@ -3529,7 +3690,7 @@
               <a:defRPr sz="1800"/>
             </a:pPr>
             <a:r>
-              <a:t>실패 사례: 잘못된 전략으로 인한 성장 저하</a:t>
+              <a:t>리소스: 인력·시간·예산 등 모든 프로젝트 자원.</a:t>
             </a:r>
           </a:p>
           <a:p>
@@ -3537,7 +3698,15 @@
               <a:defRPr sz="1800"/>
             </a:pPr>
             <a:r>
-              <a:t>레퍼런스 및 도표로 강조</a:t>
+              <a:t>ROI (Return on Investment): 투자 대비 효율/성과.</a:t>
+            </a:r>
+          </a:p>
+          <a:p>
+            <a:pPr>
+              <a:defRPr sz="1800"/>
+            </a:pPr>
+            <a:r>
+              <a:t>KPI (Key Performance Indicator): 성과 핵심지표.</a:t>
             </a:r>
           </a:p>
         </p:txBody>
@@ -3584,7 +3753,7 @@
               <a:defRPr sz="3200"/>
             </a:pPr>
             <a:r>
-              <a:t>그로스 관리의 주요 요소</a:t>
+              <a:t>주요 스크럼 단계</a:t>
             </a:r>
           </a:p>
         </p:txBody>
@@ -3609,7 +3778,7 @@
               <a:defRPr sz="1800"/>
             </a:pPr>
             <a:r>
-              <a:t>백로그 (Backlog) 관리</a:t>
+              <a:t>**핵심 포인트:**</a:t>
             </a:r>
           </a:p>
           <a:p>
@@ -3617,7 +3786,7 @@
               <a:defRPr sz="1800"/>
             </a:pPr>
             <a:r>
-              <a:t>테크 부채 (Technical Debt) 감소</a:t>
+              <a:t>스탠드업 미팅: 짧고 빠른 일일 회의, 보통 아침에 진행.</a:t>
             </a:r>
           </a:p>
           <a:p>
@@ -3625,7 +3794,7 @@
               <a:defRPr sz="1800"/>
             </a:pPr>
             <a:r>
-              <a:t>QA (Quality Assurance) 중요성</a:t>
+              <a:t>피어 리뷰: 동료 간 결과물 검수, 품질 보장.</a:t>
             </a:r>
           </a:p>
         </p:txBody>
@@ -3672,7 +3841,7 @@
               <a:defRPr sz="3200"/>
             </a:pPr>
             <a:r>
-              <a:t>실질적인 액션 아이템 제시</a:t>
+              <a:t>프로젝트 관리 기법</a:t>
             </a:r>
           </a:p>
         </p:txBody>
@@ -3697,7 +3866,7 @@
               <a:defRPr sz="1800"/>
             </a:pPr>
             <a:r>
-              <a:t>앞으로 해야 할 일, 개선점 등 다음 단계를 명확히</a:t>
+              <a:t>**핵심 포인트:**</a:t>
             </a:r>
           </a:p>
           <a:p>
@@ -3705,7 +3874,15 @@
               <a:defRPr sz="1800"/>
             </a:pPr>
             <a:r>
-              <a:t>예시: 특정 기능 개발, 마케팅 캠페인 실행</a:t>
+              <a:t>애자일: 유연·반복적으로 업무를 추진하는 방식.</a:t>
+            </a:r>
+          </a:p>
+          <a:p>
+            <a:pPr>
+              <a:defRPr sz="1800"/>
+            </a:pPr>
+            <a:r>
+              <a:t>스크럼: 애자일 방법론 중 팀 단위 짧은 주기 개발 방식.</a:t>
             </a:r>
           </a:p>
         </p:txBody>
@@ -3777,7 +3954,7 @@
               <a:defRPr sz="1800"/>
             </a:pPr>
             <a:r>
-              <a:t>그로스는 서비스 성장의 핵심 지표임을 강조</a:t>
+              <a:t>**핵심 포인트:**</a:t>
             </a:r>
           </a:p>
           <a:p>
@@ -3785,7 +3962,7 @@
               <a:defRPr sz="1800"/>
             </a:pPr>
             <a:r>
-              <a:t>정확한 KPI 설정과 실질적인 액션 아이템 필요성 강조</a:t>
+              <a:t>FlowMate는 신입사원의 업무 효율성을 높이는 도구입니다.</a:t>
             </a:r>
           </a:p>
           <a:p>
@@ -3793,7 +3970,7 @@
               <a:defRPr sz="1800"/>
             </a:pPr>
             <a:r>
-              <a:t>이 슬라이드들은 [발표자료]와 [참고자료]의 내용을 반영하며, 각 슬라이드의 제목과 핵심 포인트를 일치시키고 있습니다. 필요에 따라 추가적인 내용이나 그래프, 도표 등을 포함할 수 있습니다.</a:t>
+              <a:t>다양한 비즈니스 용어와 관리 기법을 이해하고 적용하면 성과를 향상시킬 수 있습니다.</a:t>
             </a:r>
           </a:p>
         </p:txBody>

--- a/uploads/pptx_sample.pptx
+++ b/uploads/pptx_sample.pptx
@@ -6,15 +6,6 @@
   </p:sldMasterIdLst>
   <p:sldIdLst>
     <p:sldId id="256" r:id="rId7"/>
-    <p:sldId id="257" r:id="rId8"/>
-    <p:sldId id="258" r:id="rId9"/>
-    <p:sldId id="259" r:id="rId10"/>
-    <p:sldId id="260" r:id="rId11"/>
-    <p:sldId id="261" r:id="rId12"/>
-    <p:sldId id="262" r:id="rId13"/>
-    <p:sldId id="263" r:id="rId14"/>
-    <p:sldId id="264" r:id="rId15"/>
-    <p:sldId id="265" r:id="rId16"/>
   </p:sldIdLst>
   <p:sldSz cx="12188952" cy="6858000" type="screen4x3"/>
   <p:notesSz cx="6858000" cy="9144000"/>
@@ -3141,76 +3132,12 @@
           <a:bodyPr/>
           <a:lstStyle/>
           <a:p/>
-        </p:txBody>
-      </p:sp>
-    </p:spTree>
-  </p:cSld>
-  <p:clrMapOvr>
-    <a:masterClrMapping/>
-  </p:clrMapOvr>
-</p:sld>
-</file>
-
-<file path=ppt/slides/slide10.xml><?xml version="1.0" encoding="utf-8"?>
-<p:sld xmlns:a="http://schemas.openxmlformats.org/drawingml/2006/main" xmlns:p="http://schemas.openxmlformats.org/presentationml/2006/main" xmlns:r="http://schemas.openxmlformats.org/officeDocument/2006/relationships">
-  <p:cSld>
-    <p:spTree>
-      <p:nvGrpSpPr>
-        <p:cNvPr id="1" name=""/>
-        <p:cNvGrpSpPr/>
-        <p:nvPr/>
-      </p:nvGrpSpPr>
-      <p:grpSpPr/>
-      <p:sp>
-        <p:nvSpPr>
-          <p:cNvPr id="2" name="Title 1"/>
-          <p:cNvSpPr>
-            <a:spLocks noGrp="1"/>
-          </p:cNvSpPr>
-          <p:nvPr>
-            <p:ph type="title"/>
-          </p:nvPr>
-        </p:nvSpPr>
-        <p:spPr>
-          <a:xfrm>
-            <a:off x="274320" y="274320"/>
-            <a:ext cx="11612880" cy="1371600"/>
-          </a:xfrm>
-        </p:spPr>
-        <p:txBody>
-          <a:bodyPr/>
-          <a:lstStyle/>
-          <a:p>
-            <a:pPr>
-              <a:defRPr sz="3200"/>
-            </a:pPr>
-            <a:r>
-              <a:t>Q&amp;A</a:t>
-            </a:r>
-          </a:p>
-        </p:txBody>
-      </p:sp>
-      <p:sp>
-        <p:nvSpPr>
-          <p:cNvPr id="3" name="Content Placeholder 2"/>
-          <p:cNvSpPr>
-            <a:spLocks noGrp="1"/>
-          </p:cNvSpPr>
-          <p:nvPr>
-            <p:ph idx="1"/>
-          </p:nvPr>
-        </p:nvSpPr>
-        <p:spPr/>
-        <p:txBody>
-          <a:bodyPr/>
-          <a:lstStyle/>
-          <a:p/>
           <a:p>
             <a:pPr>
               <a:defRPr sz="1800"/>
             </a:pPr>
             <a:r>
-              <a:t>**핵심 포인트:**</a:t>
+              <a:t>사용자, 매출 등 모든 성장 수치를 목표로 함</a:t>
             </a:r>
           </a:p>
           <a:p>
@@ -3218,7 +3145,7 @@
               <a:defRPr sz="1800"/>
             </a:pPr>
             <a:r>
-              <a:t>질문이 있으시면 언제든지 물어보세요.</a:t>
+              <a:t>늘 "성장"이라는 목표를 추구함</a:t>
             </a:r>
           </a:p>
           <a:p>
@@ -3226,79 +3153,15 @@
               <a:defRPr sz="1800"/>
             </a:pPr>
             <a:r>
-              <a:t>이 슬라이드들은 [발표자료]와 [참고자료]의 내용을 반영하며, 각 슬라이드의 제목과 핵심 포인트를 일치시키고 있습니다.</a:t>
-            </a:r>
-          </a:p>
-        </p:txBody>
-      </p:sp>
-    </p:spTree>
-  </p:cSld>
-  <p:clrMapOvr>
-    <a:masterClrMapping/>
-  </p:clrMapOvr>
-</p:sld>
-</file>
-
-<file path=ppt/slides/slide2.xml><?xml version="1.0" encoding="utf-8"?>
-<p:sld xmlns:a="http://schemas.openxmlformats.org/drawingml/2006/main" xmlns:p="http://schemas.openxmlformats.org/presentationml/2006/main" xmlns:r="http://schemas.openxmlformats.org/officeDocument/2006/relationships">
-  <p:cSld>
-    <p:spTree>
-      <p:nvGrpSpPr>
-        <p:cNvPr id="1" name=""/>
-        <p:cNvGrpSpPr/>
-        <p:nvPr/>
-      </p:nvGrpSpPr>
-      <p:grpSpPr/>
-      <p:sp>
-        <p:nvSpPr>
-          <p:cNvPr id="2" name="Title 1"/>
-          <p:cNvSpPr>
-            <a:spLocks noGrp="1"/>
-          </p:cNvSpPr>
-          <p:nvPr>
-            <p:ph type="title"/>
-          </p:nvPr>
-        </p:nvSpPr>
-        <p:spPr>
-          <a:xfrm>
-            <a:off x="274320" y="274320"/>
-            <a:ext cx="11612880" cy="1371600"/>
-          </a:xfrm>
-        </p:spPr>
-        <p:txBody>
-          <a:bodyPr/>
-          <a:lstStyle/>
-          <a:p>
-            <a:pPr>
-              <a:defRPr sz="3200"/>
-            </a:pPr>
-            <a:r>
-              <a:t>FlowMate 소개 및 목적</a:t>
-            </a:r>
-          </a:p>
-        </p:txBody>
-      </p:sp>
-      <p:sp>
-        <p:nvSpPr>
-          <p:cNvPr id="3" name="Content Placeholder 2"/>
-          <p:cNvSpPr>
-            <a:spLocks noGrp="1"/>
-          </p:cNvSpPr>
-          <p:nvPr>
-            <p:ph idx="1"/>
-          </p:nvPr>
-        </p:nvSpPr>
-        <p:spPr/>
-        <p:txBody>
-          <a:bodyPr/>
-          <a:lstStyle/>
-          <a:p/>
+              <a:t>업무 효율화 필요성</a:t>
+            </a:r>
+          </a:p>
           <a:p>
             <a:pPr>
               <a:defRPr sz="1800"/>
             </a:pPr>
             <a:r>
-              <a:t>**핵심 포인트:**</a:t>
+              <a:t>RAG 기반 자동화</a:t>
             </a:r>
           </a:p>
           <a:p>
@@ -3306,7 +3169,7 @@
               <a:defRPr sz="1800"/>
             </a:pPr>
             <a:r>
-              <a:t>FlowMate는 신입사원들의 온보딩을 돕는 AI입니다.</a:t>
+              <a:t>문서 요약 및 퀴즈 생성</a:t>
             </a:r>
           </a:p>
           <a:p>
@@ -3314,79 +3177,15 @@
               <a:defRPr sz="1800"/>
             </a:pPr>
             <a:r>
-              <a:t>문서 작성, 발표 준비 등 다양한 업무를 지원합니다.</a:t>
-            </a:r>
-          </a:p>
-        </p:txBody>
-      </p:sp>
-    </p:spTree>
-  </p:cSld>
-  <p:clrMapOvr>
-    <a:masterClrMapping/>
-  </p:clrMapOvr>
-</p:sld>
-</file>
-
-<file path=ppt/slides/slide3.xml><?xml version="1.0" encoding="utf-8"?>
-<p:sld xmlns:a="http://schemas.openxmlformats.org/drawingml/2006/main" xmlns:p="http://schemas.openxmlformats.org/presentationml/2006/main" xmlns:r="http://schemas.openxmlformats.org/officeDocument/2006/relationships">
-  <p:cSld>
-    <p:spTree>
-      <p:nvGrpSpPr>
-        <p:cNvPr id="1" name=""/>
-        <p:cNvGrpSpPr/>
-        <p:nvPr/>
-      </p:nvGrpSpPr>
-      <p:grpSpPr/>
-      <p:sp>
-        <p:nvSpPr>
-          <p:cNvPr id="2" name="Title 1"/>
-          <p:cNvSpPr>
-            <a:spLocks noGrp="1"/>
-          </p:cNvSpPr>
-          <p:nvPr>
-            <p:ph type="title"/>
-          </p:nvPr>
-        </p:nvSpPr>
-        <p:spPr>
-          <a:xfrm>
-            <a:off x="274320" y="274320"/>
-            <a:ext cx="11612880" cy="1371600"/>
-          </a:xfrm>
-        </p:spPr>
-        <p:txBody>
-          <a:bodyPr/>
-          <a:lstStyle/>
-          <a:p>
-            <a:pPr>
-              <a:defRPr sz="3200"/>
-            </a:pPr>
-            <a:r>
-              <a:t>신입사원 자주하는 실수와 예방 팁</a:t>
-            </a:r>
-          </a:p>
-        </p:txBody>
-      </p:sp>
-      <p:sp>
-        <p:nvSpPr>
-          <p:cNvPr id="3" name="Content Placeholder 2"/>
-          <p:cNvSpPr>
-            <a:spLocks noGrp="1"/>
-          </p:cNvSpPr>
-          <p:nvPr>
-            <p:ph idx="1"/>
-          </p:nvPr>
-        </p:nvSpPr>
-        <p:spPr/>
-        <p:txBody>
-          <a:bodyPr/>
-          <a:lstStyle/>
-          <a:p/>
+              <a:t>발표 자료 자동 작성</a:t>
+            </a:r>
+          </a:p>
           <a:p>
             <a:pPr>
               <a:defRPr sz="1800"/>
             </a:pPr>
             <a:r>
-              <a:t>**핵심 포인트:**</a:t>
+              <a:t>벡터DB 기반 검색</a:t>
             </a:r>
           </a:p>
           <a:p>
@@ -3394,7 +3193,7 @@
               <a:defRPr sz="1800"/>
             </a:pPr>
             <a:r>
-              <a:t>모든 걸 메모 없이 기억하려 함 → 회의·피드백 즉시 기록.</a:t>
+              <a:t>교육자료 제작 시간 단축</a:t>
             </a:r>
           </a:p>
           <a:p>
@@ -3402,575 +3201,7 @@
               <a:defRPr sz="1800"/>
             </a:pPr>
             <a:r>
-              <a:t>데드라인 직전에 보고 → 중간 진행 상황을 미리 공유.</a:t>
-            </a:r>
-          </a:p>
-          <a:p>
-            <a:pPr>
-              <a:defRPr sz="1800"/>
-            </a:pPr>
-            <a:r>
-              <a:t>용어/배경 모르면 넘어감 → 즉시 질문하거나 레퍼런스 찾기.</a:t>
-            </a:r>
-          </a:p>
-          <a:p>
-            <a:pPr>
-              <a:defRPr sz="1800"/>
-            </a:pPr>
-            <a:r>
-              <a:t>‘완벽’에 집착 → MVP 마인드로 빠르게 시안·프로토타입 공유.</a:t>
-            </a:r>
-          </a:p>
-          <a:p>
-            <a:pPr>
-              <a:defRPr sz="1800"/>
-            </a:pPr>
-            <a:r>
-              <a:t>커뮤니케이션 생략 → 작은 변경도 관련자에게 공유.</a:t>
-            </a:r>
-          </a:p>
-        </p:txBody>
-      </p:sp>
-    </p:spTree>
-  </p:cSld>
-  <p:clrMapOvr>
-    <a:masterClrMapping/>
-  </p:clrMapOvr>
-</p:sld>
-</file>
-
-<file path=ppt/slides/slide4.xml><?xml version="1.0" encoding="utf-8"?>
-<p:sld xmlns:a="http://schemas.openxmlformats.org/drawingml/2006/main" xmlns:p="http://schemas.openxmlformats.org/presentationml/2006/main" xmlns:r="http://schemas.openxmlformats.org/officeDocument/2006/relationships">
-  <p:cSld>
-    <p:spTree>
-      <p:nvGrpSpPr>
-        <p:cNvPr id="1" name=""/>
-        <p:cNvGrpSpPr/>
-        <p:nvPr/>
-      </p:nvGrpSpPr>
-      <p:grpSpPr/>
-      <p:sp>
-        <p:nvSpPr>
-          <p:cNvPr id="2" name="Title 1"/>
-          <p:cNvSpPr>
-            <a:spLocks noGrp="1"/>
-          </p:cNvSpPr>
-          <p:nvPr>
-            <p:ph type="title"/>
-          </p:nvPr>
-        </p:nvSpPr>
-        <p:spPr>
-          <a:xfrm>
-            <a:off x="274320" y="274320"/>
-            <a:ext cx="11612880" cy="1371600"/>
-          </a:xfrm>
-        </p:spPr>
-        <p:txBody>
-          <a:bodyPr/>
-          <a:lstStyle/>
-          <a:p>
-            <a:pPr>
-              <a:defRPr sz="3200"/>
-            </a:pPr>
-            <a:r>
-              <a:t>성과관리, 성장관리 방법</a:t>
-            </a:r>
-          </a:p>
-        </p:txBody>
-      </p:sp>
-      <p:sp>
-        <p:nvSpPr>
-          <p:cNvPr id="3" name="Content Placeholder 2"/>
-          <p:cNvSpPr>
-            <a:spLocks noGrp="1"/>
-          </p:cNvSpPr>
-          <p:nvPr>
-            <p:ph idx="1"/>
-          </p:nvPr>
-        </p:nvSpPr>
-        <p:spPr/>
-        <p:txBody>
-          <a:bodyPr/>
-          <a:lstStyle/>
-          <a:p/>
-          <a:p>
-            <a:pPr>
-              <a:defRPr sz="1800"/>
-            </a:pPr>
-            <a:r>
-              <a:t>**핵심 포인트:**</a:t>
-            </a:r>
-          </a:p>
-          <a:p>
-            <a:pPr>
-              <a:defRPr sz="1800"/>
-            </a:pPr>
-            <a:r>
-              <a:t>KPI·OKR 연계: 본인 업무가 조직 KPI에 어떻게 기여하는지 이해.</a:t>
-            </a:r>
-          </a:p>
-          <a:p>
-            <a:pPr>
-              <a:defRPr sz="1800"/>
-            </a:pPr>
-            <a:r>
-              <a:t>자기 점검 주기: 주간/월간으로 목표 대비 진척 점검.</a:t>
-            </a:r>
-          </a:p>
-          <a:p>
-            <a:pPr>
-              <a:defRPr sz="1800"/>
-            </a:pPr>
-            <a:r>
-              <a:t>피봇: 한계를 느끼고 사업/서비스의 방향 전환.</a:t>
-            </a:r>
-          </a:p>
-        </p:txBody>
-      </p:sp>
-    </p:spTree>
-  </p:cSld>
-  <p:clrMapOvr>
-    <a:masterClrMapping/>
-  </p:clrMapOvr>
-</p:sld>
-</file>
-
-<file path=ppt/slides/slide5.xml><?xml version="1.0" encoding="utf-8"?>
-<p:sld xmlns:a="http://schemas.openxmlformats.org/drawingml/2006/main" xmlns:p="http://schemas.openxmlformats.org/presentationml/2006/main" xmlns:r="http://schemas.openxmlformats.org/officeDocument/2006/relationships">
-  <p:cSld>
-    <p:spTree>
-      <p:nvGrpSpPr>
-        <p:cNvPr id="1" name=""/>
-        <p:cNvGrpSpPr/>
-        <p:nvPr/>
-      </p:nvGrpSpPr>
-      <p:grpSpPr/>
-      <p:sp>
-        <p:nvSpPr>
-          <p:cNvPr id="2" name="Title 1"/>
-          <p:cNvSpPr>
-            <a:spLocks noGrp="1"/>
-          </p:cNvSpPr>
-          <p:nvPr>
-            <p:ph type="title"/>
-          </p:nvPr>
-        </p:nvSpPr>
-        <p:spPr>
-          <a:xfrm>
-            <a:off x="274320" y="274320"/>
-            <a:ext cx="11612880" cy="1371600"/>
-          </a:xfrm>
-        </p:spPr>
-        <p:txBody>
-          <a:bodyPr/>
-          <a:lstStyle/>
-          <a:p>
-            <a:pPr>
-              <a:defRPr sz="3200"/>
-            </a:pPr>
-            <a:r>
-              <a:t>비즈니스 용어</a:t>
-            </a:r>
-          </a:p>
-        </p:txBody>
-      </p:sp>
-      <p:sp>
-        <p:nvSpPr>
-          <p:cNvPr id="3" name="Content Placeholder 2"/>
-          <p:cNvSpPr>
-            <a:spLocks noGrp="1"/>
-          </p:cNvSpPr>
-          <p:nvPr>
-            <p:ph idx="1"/>
-          </p:nvPr>
-        </p:nvSpPr>
-        <p:spPr/>
-        <p:txBody>
-          <a:bodyPr/>
-          <a:lstStyle/>
-          <a:p/>
-          <a:p>
-            <a:pPr>
-              <a:defRPr sz="1800"/>
-            </a:pPr>
-            <a:r>
-              <a:t>**핵심 포인트:**</a:t>
-            </a:r>
-          </a:p>
-          <a:p>
-            <a:pPr>
-              <a:defRPr sz="1800"/>
-            </a:pPr>
-            <a:r>
-              <a:t>그로스: 사용자, 매출 등 모든 성장 수치. 목표는 늘 "성장"이다.</a:t>
-            </a:r>
-          </a:p>
-          <a:p>
-            <a:pPr>
-              <a:defRPr sz="1800"/>
-            </a:pPr>
-            <a:r>
-              <a:t>MVP (Minimum Viable Product): 핵심 기능만 담은 시제품. 빠른 시장검증이 목적.</a:t>
-            </a:r>
-          </a:p>
-        </p:txBody>
-      </p:sp>
-    </p:spTree>
-  </p:cSld>
-  <p:clrMapOvr>
-    <a:masterClrMapping/>
-  </p:clrMapOvr>
-</p:sld>
-</file>
-
-<file path=ppt/slides/slide6.xml><?xml version="1.0" encoding="utf-8"?>
-<p:sld xmlns:a="http://schemas.openxmlformats.org/drawingml/2006/main" xmlns:p="http://schemas.openxmlformats.org/presentationml/2006/main" xmlns:r="http://schemas.openxmlformats.org/officeDocument/2006/relationships">
-  <p:cSld>
-    <p:spTree>
-      <p:nvGrpSpPr>
-        <p:cNvPr id="1" name=""/>
-        <p:cNvGrpSpPr/>
-        <p:nvPr/>
-      </p:nvGrpSpPr>
-      <p:grpSpPr/>
-      <p:sp>
-        <p:nvSpPr>
-          <p:cNvPr id="2" name="Title 1"/>
-          <p:cNvSpPr>
-            <a:spLocks noGrp="1"/>
-          </p:cNvSpPr>
-          <p:nvPr>
-            <p:ph type="title"/>
-          </p:nvPr>
-        </p:nvSpPr>
-        <p:spPr>
-          <a:xfrm>
-            <a:off x="274320" y="274320"/>
-            <a:ext cx="11612880" cy="1371600"/>
-          </a:xfrm>
-        </p:spPr>
-        <p:txBody>
-          <a:bodyPr/>
-          <a:lstStyle/>
-          <a:p>
-            <a:pPr>
-              <a:defRPr sz="3200"/>
-            </a:pPr>
-            <a:r>
-              <a:t>주요 비즈니스 용어</a:t>
-            </a:r>
-          </a:p>
-        </p:txBody>
-      </p:sp>
-      <p:sp>
-        <p:nvSpPr>
-          <p:cNvPr id="3" name="Content Placeholder 2"/>
-          <p:cNvSpPr>
-            <a:spLocks noGrp="1"/>
-          </p:cNvSpPr>
-          <p:nvPr>
-            <p:ph idx="1"/>
-          </p:nvPr>
-        </p:nvSpPr>
-        <p:spPr/>
-        <p:txBody>
-          <a:bodyPr/>
-          <a:lstStyle/>
-          <a:p/>
-          <a:p>
-            <a:pPr>
-              <a:defRPr sz="1800"/>
-            </a:pPr>
-            <a:r>
-              <a:t>**핵심 포인트:**</a:t>
-            </a:r>
-          </a:p>
-          <a:p>
-            <a:pPr>
-              <a:defRPr sz="1800"/>
-            </a:pPr>
-            <a:r>
-              <a:t>리소스: 인력·시간·예산 등 모든 프로젝트 자원.</a:t>
-            </a:r>
-          </a:p>
-          <a:p>
-            <a:pPr>
-              <a:defRPr sz="1800"/>
-            </a:pPr>
-            <a:r>
-              <a:t>ROI (Return on Investment): 투자 대비 효율/성과.</a:t>
-            </a:r>
-          </a:p>
-          <a:p>
-            <a:pPr>
-              <a:defRPr sz="1800"/>
-            </a:pPr>
-            <a:r>
-              <a:t>KPI (Key Performance Indicator): 성과 핵심지표.</a:t>
-            </a:r>
-          </a:p>
-        </p:txBody>
-      </p:sp>
-    </p:spTree>
-  </p:cSld>
-  <p:clrMapOvr>
-    <a:masterClrMapping/>
-  </p:clrMapOvr>
-</p:sld>
-</file>
-
-<file path=ppt/slides/slide7.xml><?xml version="1.0" encoding="utf-8"?>
-<p:sld xmlns:a="http://schemas.openxmlformats.org/drawingml/2006/main" xmlns:p="http://schemas.openxmlformats.org/presentationml/2006/main" xmlns:r="http://schemas.openxmlformats.org/officeDocument/2006/relationships">
-  <p:cSld>
-    <p:spTree>
-      <p:nvGrpSpPr>
-        <p:cNvPr id="1" name=""/>
-        <p:cNvGrpSpPr/>
-        <p:nvPr/>
-      </p:nvGrpSpPr>
-      <p:grpSpPr/>
-      <p:sp>
-        <p:nvSpPr>
-          <p:cNvPr id="2" name="Title 1"/>
-          <p:cNvSpPr>
-            <a:spLocks noGrp="1"/>
-          </p:cNvSpPr>
-          <p:nvPr>
-            <p:ph type="title"/>
-          </p:nvPr>
-        </p:nvSpPr>
-        <p:spPr>
-          <a:xfrm>
-            <a:off x="274320" y="274320"/>
-            <a:ext cx="11612880" cy="1371600"/>
-          </a:xfrm>
-        </p:spPr>
-        <p:txBody>
-          <a:bodyPr/>
-          <a:lstStyle/>
-          <a:p>
-            <a:pPr>
-              <a:defRPr sz="3200"/>
-            </a:pPr>
-            <a:r>
-              <a:t>주요 스크럼 단계</a:t>
-            </a:r>
-          </a:p>
-        </p:txBody>
-      </p:sp>
-      <p:sp>
-        <p:nvSpPr>
-          <p:cNvPr id="3" name="Content Placeholder 2"/>
-          <p:cNvSpPr>
-            <a:spLocks noGrp="1"/>
-          </p:cNvSpPr>
-          <p:nvPr>
-            <p:ph idx="1"/>
-          </p:nvPr>
-        </p:nvSpPr>
-        <p:spPr/>
-        <p:txBody>
-          <a:bodyPr/>
-          <a:lstStyle/>
-          <a:p/>
-          <a:p>
-            <a:pPr>
-              <a:defRPr sz="1800"/>
-            </a:pPr>
-            <a:r>
-              <a:t>**핵심 포인트:**</a:t>
-            </a:r>
-          </a:p>
-          <a:p>
-            <a:pPr>
-              <a:defRPr sz="1800"/>
-            </a:pPr>
-            <a:r>
-              <a:t>스탠드업 미팅: 짧고 빠른 일일 회의, 보통 아침에 진행.</a:t>
-            </a:r>
-          </a:p>
-          <a:p>
-            <a:pPr>
-              <a:defRPr sz="1800"/>
-            </a:pPr>
-            <a:r>
-              <a:t>피어 리뷰: 동료 간 결과물 검수, 품질 보장.</a:t>
-            </a:r>
-          </a:p>
-        </p:txBody>
-      </p:sp>
-    </p:spTree>
-  </p:cSld>
-  <p:clrMapOvr>
-    <a:masterClrMapping/>
-  </p:clrMapOvr>
-</p:sld>
-</file>
-
-<file path=ppt/slides/slide8.xml><?xml version="1.0" encoding="utf-8"?>
-<p:sld xmlns:a="http://schemas.openxmlformats.org/drawingml/2006/main" xmlns:p="http://schemas.openxmlformats.org/presentationml/2006/main" xmlns:r="http://schemas.openxmlformats.org/officeDocument/2006/relationships">
-  <p:cSld>
-    <p:spTree>
-      <p:nvGrpSpPr>
-        <p:cNvPr id="1" name=""/>
-        <p:cNvGrpSpPr/>
-        <p:nvPr/>
-      </p:nvGrpSpPr>
-      <p:grpSpPr/>
-      <p:sp>
-        <p:nvSpPr>
-          <p:cNvPr id="2" name="Title 1"/>
-          <p:cNvSpPr>
-            <a:spLocks noGrp="1"/>
-          </p:cNvSpPr>
-          <p:nvPr>
-            <p:ph type="title"/>
-          </p:nvPr>
-        </p:nvSpPr>
-        <p:spPr>
-          <a:xfrm>
-            <a:off x="274320" y="274320"/>
-            <a:ext cx="11612880" cy="1371600"/>
-          </a:xfrm>
-        </p:spPr>
-        <p:txBody>
-          <a:bodyPr/>
-          <a:lstStyle/>
-          <a:p>
-            <a:pPr>
-              <a:defRPr sz="3200"/>
-            </a:pPr>
-            <a:r>
-              <a:t>프로젝트 관리 기법</a:t>
-            </a:r>
-          </a:p>
-        </p:txBody>
-      </p:sp>
-      <p:sp>
-        <p:nvSpPr>
-          <p:cNvPr id="3" name="Content Placeholder 2"/>
-          <p:cNvSpPr>
-            <a:spLocks noGrp="1"/>
-          </p:cNvSpPr>
-          <p:nvPr>
-            <p:ph idx="1"/>
-          </p:nvPr>
-        </p:nvSpPr>
-        <p:spPr/>
-        <p:txBody>
-          <a:bodyPr/>
-          <a:lstStyle/>
-          <a:p/>
-          <a:p>
-            <a:pPr>
-              <a:defRPr sz="1800"/>
-            </a:pPr>
-            <a:r>
-              <a:t>**핵심 포인트:**</a:t>
-            </a:r>
-          </a:p>
-          <a:p>
-            <a:pPr>
-              <a:defRPr sz="1800"/>
-            </a:pPr>
-            <a:r>
-              <a:t>애자일: 유연·반복적으로 업무를 추진하는 방식.</a:t>
-            </a:r>
-          </a:p>
-          <a:p>
-            <a:pPr>
-              <a:defRPr sz="1800"/>
-            </a:pPr>
-            <a:r>
-              <a:t>스크럼: 애자일 방법론 중 팀 단위 짧은 주기 개발 방식.</a:t>
-            </a:r>
-          </a:p>
-        </p:txBody>
-      </p:sp>
-    </p:spTree>
-  </p:cSld>
-  <p:clrMapOvr>
-    <a:masterClrMapping/>
-  </p:clrMapOvr>
-</p:sld>
-</file>
-
-<file path=ppt/slides/slide9.xml><?xml version="1.0" encoding="utf-8"?>
-<p:sld xmlns:a="http://schemas.openxmlformats.org/drawingml/2006/main" xmlns:p="http://schemas.openxmlformats.org/presentationml/2006/main" xmlns:r="http://schemas.openxmlformats.org/officeDocument/2006/relationships">
-  <p:cSld>
-    <p:spTree>
-      <p:nvGrpSpPr>
-        <p:cNvPr id="1" name=""/>
-        <p:cNvGrpSpPr/>
-        <p:nvPr/>
-      </p:nvGrpSpPr>
-      <p:grpSpPr/>
-      <p:sp>
-        <p:nvSpPr>
-          <p:cNvPr id="2" name="Title 1"/>
-          <p:cNvSpPr>
-            <a:spLocks noGrp="1"/>
-          </p:cNvSpPr>
-          <p:nvPr>
-            <p:ph type="title"/>
-          </p:nvPr>
-        </p:nvSpPr>
-        <p:spPr>
-          <a:xfrm>
-            <a:off x="274320" y="274320"/>
-            <a:ext cx="11612880" cy="1371600"/>
-          </a:xfrm>
-        </p:spPr>
-        <p:txBody>
-          <a:bodyPr/>
-          <a:lstStyle/>
-          <a:p>
-            <a:pPr>
-              <a:defRPr sz="3200"/>
-            </a:pPr>
-            <a:r>
-              <a:t>결론 및 권고</a:t>
-            </a:r>
-          </a:p>
-        </p:txBody>
-      </p:sp>
-      <p:sp>
-        <p:nvSpPr>
-          <p:cNvPr id="3" name="Content Placeholder 2"/>
-          <p:cNvSpPr>
-            <a:spLocks noGrp="1"/>
-          </p:cNvSpPr>
-          <p:nvPr>
-            <p:ph idx="1"/>
-          </p:nvPr>
-        </p:nvSpPr>
-        <p:spPr/>
-        <p:txBody>
-          <a:bodyPr/>
-          <a:lstStyle/>
-          <a:p/>
-          <a:p>
-            <a:pPr>
-              <a:defRPr sz="1800"/>
-            </a:pPr>
-            <a:r>
-              <a:t>**핵심 포인트:**</a:t>
-            </a:r>
-          </a:p>
-          <a:p>
-            <a:pPr>
-              <a:defRPr sz="1800"/>
-            </a:pPr>
-            <a:r>
-              <a:t>FlowMate는 신입사원의 업무 효율성을 높이는 도구입니다.</a:t>
-            </a:r>
-          </a:p>
-          <a:p>
-            <a:pPr>
-              <a:defRPr sz="1800"/>
-            </a:pPr>
-            <a:r>
-              <a:t>다양한 비즈니스 용어와 관리 기법을 이해하고 적용하면 성과를 향상시킬 수 있습니다.</a:t>
+              <a:t>구성원 이해도 향상</a:t>
             </a:r>
           </a:p>
         </p:txBody>

--- a/uploads/pptx_sample.pptx
+++ b/uploads/pptx_sample.pptx
@@ -13,13 +13,6 @@
     <p:sldId id="261" r:id="rId12"/>
     <p:sldId id="262" r:id="rId13"/>
     <p:sldId id="263" r:id="rId14"/>
-    <p:sldId id="264" r:id="rId15"/>
-    <p:sldId id="265" r:id="rId16"/>
-    <p:sldId id="266" r:id="rId17"/>
-    <p:sldId id="267" r:id="rId18"/>
-    <p:sldId id="268" r:id="rId19"/>
-    <p:sldId id="269" r:id="rId20"/>
-    <p:sldId id="270" r:id="rId21"/>
   </p:sldIdLst>
   <p:sldSz cx="12188952" cy="6858000" type="screen4x3"/>
   <p:notesSz cx="6858000" cy="9144000"/>
@@ -3125,7 +3118,7 @@
               </a:defRPr>
             </a:pPr>
             <a:r>
-              <a:t>FlowMate AI 교육과정 개요</a:t>
+              <a:t>광복절의 역사와 의미</a:t>
             </a:r>
           </a:p>
         </p:txBody>
@@ -3154,859 +3147,6 @@
             </a:pPr>
             <a:r>
               <a:t>FlowMate AI 발표자료</a:t>
-            </a:r>
-          </a:p>
-        </p:txBody>
-      </p:sp>
-    </p:spTree>
-  </p:cSld>
-  <p:clrMapOvr>
-    <a:masterClrMapping/>
-  </p:clrMapOvr>
-</p:sld>
-</file>
-
-<file path=ppt/slides/slide10.xml><?xml version="1.0" encoding="utf-8"?>
-<p:sld xmlns:a="http://schemas.openxmlformats.org/drawingml/2006/main" xmlns:p="http://schemas.openxmlformats.org/presentationml/2006/main" xmlns:r="http://schemas.openxmlformats.org/officeDocument/2006/relationships">
-  <p:cSld>
-    <p:spTree>
-      <p:nvGrpSpPr>
-        <p:cNvPr id="1" name=""/>
-        <p:cNvGrpSpPr/>
-        <p:nvPr/>
-      </p:nvGrpSpPr>
-      <p:grpSpPr/>
-      <p:sp>
-        <p:nvSpPr>
-          <p:cNvPr id="2" name="Title 1"/>
-          <p:cNvSpPr>
-            <a:spLocks noGrp="1"/>
-          </p:cNvSpPr>
-          <p:nvPr>
-            <p:ph type="title"/>
-          </p:nvPr>
-        </p:nvSpPr>
-        <p:spPr>
-          <a:xfrm>
-            <a:off x="457200" y="274320"/>
-            <a:ext cx="11247120" cy="1097280"/>
-          </a:xfrm>
-          <a:solidFill>
-            <a:srgbClr val="F8FAFC"/>
-          </a:solidFill>
-        </p:spPr>
-        <p:txBody>
-          <a:bodyPr/>
-          <a:lstStyle/>
-          <a:p>
-            <a:pPr>
-              <a:defRPr sz="3600" b="1">
-                <a:solidFill>
-                  <a:srgbClr val="6366F1"/>
-                </a:solidFill>
-              </a:defRPr>
-            </a:pPr>
-            <a:r>
-              <a:t>결과 공유 및 종합 평가</a:t>
-            </a:r>
-          </a:p>
-        </p:txBody>
-      </p:sp>
-      <p:sp>
-        <p:nvSpPr>
-          <p:cNvPr id="3" name="Content Placeholder 2"/>
-          <p:cNvSpPr>
-            <a:spLocks noGrp="1"/>
-          </p:cNvSpPr>
-          <p:nvPr>
-            <p:ph idx="1"/>
-          </p:nvPr>
-        </p:nvSpPr>
-        <p:spPr/>
-        <p:txBody>
-          <a:bodyPr/>
-          <a:lstStyle/>
-          <a:p/>
-          <a:p>
-            <a:pPr>
-              <a:spcAft>
-                <a:spcPts val="1500"/>
-              </a:spcAft>
-              <a:defRPr sz="2200"/>
-            </a:pPr>
-            <a:r>
-              <a:t>▶ 团队成果展示</a:t>
-            </a:r>
-          </a:p>
-          <a:p>
-            <a:pPr>
-              <a:spcAft>
-                <a:spcPts val="1500"/>
-              </a:spcAft>
-              <a:defRPr sz="2200"/>
-            </a:pPr>
-            <a:r>
-              <a:t>✓ 应用技术比较及改进点讨论</a:t>
-            </a:r>
-          </a:p>
-          <a:p>
-            <a:pPr>
-              <a:spcAft>
-                <a:spcPts val="1500"/>
-              </a:spcAft>
-              <a:defRPr sz="2200"/>
-            </a:pPr>
-            <a:r>
-              <a:t>★ 整个课程内容总结及 Q&amp;A</a:t>
-            </a:r>
-          </a:p>
-        </p:txBody>
-      </p:sp>
-    </p:spTree>
-  </p:cSld>
-  <p:clrMapOvr>
-    <a:masterClrMapping/>
-  </p:clrMapOvr>
-</p:sld>
-</file>
-
-<file path=ppt/slides/slide11.xml><?xml version="1.0" encoding="utf-8"?>
-<p:sld xmlns:a="http://schemas.openxmlformats.org/drawingml/2006/main" xmlns:p="http://schemas.openxmlformats.org/presentationml/2006/main" xmlns:r="http://schemas.openxmlformats.org/officeDocument/2006/relationships">
-  <p:cSld>
-    <p:spTree>
-      <p:nvGrpSpPr>
-        <p:cNvPr id="1" name=""/>
-        <p:cNvGrpSpPr/>
-        <p:nvPr/>
-      </p:nvGrpSpPr>
-      <p:grpSpPr/>
-      <p:sp>
-        <p:nvSpPr>
-          <p:cNvPr id="2" name="Title 1"/>
-          <p:cNvSpPr>
-            <a:spLocks noGrp="1"/>
-          </p:cNvSpPr>
-          <p:nvPr>
-            <p:ph type="title"/>
-          </p:nvPr>
-        </p:nvSpPr>
-        <p:spPr>
-          <a:xfrm>
-            <a:off x="457200" y="274320"/>
-            <a:ext cx="11247120" cy="1097280"/>
-          </a:xfrm>
-          <a:solidFill>
-            <a:srgbClr val="F8FAFC"/>
-          </a:solidFill>
-        </p:spPr>
-        <p:txBody>
-          <a:bodyPr/>
-          <a:lstStyle/>
-          <a:p>
-            <a:pPr>
-              <a:defRPr sz="3600" b="1">
-                <a:solidFill>
-                  <a:srgbClr val="6366F1"/>
-                </a:solidFill>
-              </a:defRPr>
-            </a:pPr>
-            <a:r>
-              <a:t>FlowMate AI 교육과정 개요</a:t>
-            </a:r>
-          </a:p>
-        </p:txBody>
-      </p:sp>
-      <p:sp>
-        <p:nvSpPr>
-          <p:cNvPr id="3" name="Content Placeholder 2"/>
-          <p:cNvSpPr>
-            <a:spLocks noGrp="1"/>
-          </p:cNvSpPr>
-          <p:nvPr>
-            <p:ph idx="1"/>
-          </p:nvPr>
-        </p:nvSpPr>
-        <p:spPr/>
-        <p:txBody>
-          <a:bodyPr/>
-          <a:lstStyle/>
-          <a:p/>
-          <a:p>
-            <a:pPr>
-              <a:spcAft>
-                <a:spcPts val="1500"/>
-              </a:spcAft>
-              <a:defRPr sz="2200"/>
-            </a:pPr>
-            <a:r>
-              <a:t>▶ 과정 소개 및 목표 공유</a:t>
-            </a:r>
-          </a:p>
-          <a:p>
-            <a:pPr>
-              <a:spcAft>
-                <a:spcPts val="1500"/>
-              </a:spcAft>
-              <a:defRPr sz="2200"/>
-            </a:pPr>
-            <a:r>
-              <a:t>✓ 대규모 모델 파인튜닝의 비용/자원 문제점</a:t>
-            </a:r>
-          </a:p>
-          <a:p>
-            <a:pPr>
-              <a:spcAft>
-                <a:spcPts val="1500"/>
-              </a:spcAft>
-              <a:defRPr sz="2200"/>
-            </a:pPr>
-            <a:r>
-              <a:t>★ LoRA 개념 소개</a:t>
-            </a:r>
-          </a:p>
-        </p:txBody>
-      </p:sp>
-    </p:spTree>
-  </p:cSld>
-  <p:clrMapOvr>
-    <a:masterClrMapping/>
-  </p:clrMapOvr>
-</p:sld>
-</file>
-
-<file path=ppt/slides/slide12.xml><?xml version="1.0" encoding="utf-8"?>
-<p:sld xmlns:a="http://schemas.openxmlformats.org/drawingml/2006/main" xmlns:p="http://schemas.openxmlformats.org/presentationml/2006/main" xmlns:r="http://schemas.openxmlformats.org/officeDocument/2006/relationships">
-  <p:cSld>
-    <p:spTree>
-      <p:nvGrpSpPr>
-        <p:cNvPr id="1" name=""/>
-        <p:cNvGrpSpPr/>
-        <p:nvPr/>
-      </p:nvGrpSpPr>
-      <p:grpSpPr/>
-      <p:sp>
-        <p:nvSpPr>
-          <p:cNvPr id="2" name="Title 1"/>
-          <p:cNvSpPr>
-            <a:spLocks noGrp="1"/>
-          </p:cNvSpPr>
-          <p:nvPr>
-            <p:ph type="title"/>
-          </p:nvPr>
-        </p:nvSpPr>
-        <p:spPr>
-          <a:xfrm>
-            <a:off x="457200" y="274320"/>
-            <a:ext cx="11247120" cy="1097280"/>
-          </a:xfrm>
-          <a:solidFill>
-            <a:srgbClr val="F8FAFC"/>
-          </a:solidFill>
-        </p:spPr>
-        <p:txBody>
-          <a:bodyPr/>
-          <a:lstStyle/>
-          <a:p>
-            <a:pPr>
-              <a:defRPr sz="3600" b="1">
-                <a:solidFill>
-                  <a:srgbClr val="6366F1"/>
-                </a:solidFill>
-              </a:defRPr>
-            </a:pPr>
-            <a:r>
-              <a:t>LoRA 개요</a:t>
-            </a:r>
-          </a:p>
-        </p:txBody>
-      </p:sp>
-      <p:sp>
-        <p:nvSpPr>
-          <p:cNvPr id="3" name="Content Placeholder 2"/>
-          <p:cNvSpPr>
-            <a:spLocks noGrp="1"/>
-          </p:cNvSpPr>
-          <p:nvPr>
-            <p:ph idx="1" sz="half"/>
-          </p:nvPr>
-        </p:nvSpPr>
-        <p:spPr/>
-        <p:txBody>
-          <a:bodyPr/>
-          <a:lstStyle/>
-          <a:p/>
-          <a:p>
-            <a:pPr>
-              <a:spcAft>
-                <a:spcPts val="1200"/>
-              </a:spcAft>
-              <a:defRPr sz="2000"/>
-            </a:pPr>
-            <a:r>
-              <a:t>• ### Slide 1</a:t>
-            </a:r>
-          </a:p>
-          <a:p>
-            <a:pPr>
-              <a:spcAft>
-                <a:spcPts val="1200"/>
-              </a:spcAft>
-              <a:defRPr sz="2000"/>
-            </a:pPr>
-            <a:r>
-              <a:t>• 课程介绍及目标分享</a:t>
-            </a:r>
-          </a:p>
-          <a:p>
-            <a:pPr>
-              <a:spcAft>
-                <a:spcPts val="1200"/>
-              </a:spcAft>
-              <a:defRPr sz="2000"/>
-            </a:pPr>
-            <a:r>
-              <a:t>• 大规模模型微调的成本/资源问题点</a:t>
-            </a:r>
-          </a:p>
-          <a:p>
-            <a:pPr>
-              <a:spcAft>
-                <a:spcPts val="1200"/>
-              </a:spcAft>
-              <a:defRPr sz="2000"/>
-            </a:pPr>
-            <a:r>
-              <a:t>• LoRA 概念介绍</a:t>
-            </a:r>
-          </a:p>
-          <a:p>
-            <a:pPr>
-              <a:spcAft>
-                <a:spcPts val="1200"/>
-              </a:spcAft>
-              <a:defRPr sz="2000"/>
-            </a:pPr>
-            <a:r>
-              <a:t>• LoRA 基本概念：通过低秩矩阵更新权重</a:t>
-            </a:r>
-          </a:p>
-          <a:p>
-            <a:pPr>
-              <a:spcAft>
-                <a:spcPts val="1200"/>
-              </a:spcAft>
-              <a:defRPr sz="2000"/>
-            </a:pPr>
-            <a:r>
-              <a:t>• 强调内存和存储效率性</a:t>
-            </a:r>
-          </a:p>
-          <a:p>
-            <a:pPr>
-              <a:spcAft>
-                <a:spcPts val="1200"/>
-              </a:spcAft>
-              <a:defRPr sz="2000"/>
-            </a:pPr>
-            <a:r>
-              <a:t>• 参数高效微调（PEFT）概念解释</a:t>
-            </a:r>
-          </a:p>
-          <a:p>
-            <a:pPr>
-              <a:spcAft>
-                <a:spcPts val="1200"/>
-              </a:spcAft>
-              <a:defRPr sz="2000"/>
-            </a:pPr>
-            <a:r>
-              <a:t>• LoRA 工作原理：以 $W + BA$ 形式调整权重</a:t>
-            </a:r>
-          </a:p>
-          <a:p>
-            <a:pPr>
-              <a:spcAft>
-                <a:spcPts val="1200"/>
-              </a:spcAft>
-              <a:defRPr sz="2000"/>
-            </a:pPr>
-            <a:r>
-              <a:t>• 超参数 (秩 r, 缩放因子 α, Dropout 等) 解释</a:t>
-            </a:r>
-          </a:p>
-          <a:p>
-            <a:pPr>
-              <a:spcAft>
-                <a:spcPts val="1200"/>
-              </a:spcAft>
-              <a:defRPr sz="2000"/>
-            </a:pPr>
-            <a:r>
-              <a:t>• 减少训练参数数量及模型利用性强调</a:t>
-            </a:r>
-          </a:p>
-          <a:p>
-            <a:pPr>
-              <a:spcAft>
-                <a:spcPts val="1200"/>
-              </a:spcAft>
-              <a:defRPr sz="2000"/>
-            </a:pPr>
-            <a:r>
-              <a:t>• 开发环境设置指南（使用 Anaconda/venv）</a:t>
-            </a:r>
-          </a:p>
-          <a:p>
-            <a:pPr>
-              <a:spcAft>
-                <a:spcPts val="1200"/>
-              </a:spcAft>
-              <a:defRPr sz="2000"/>
-            </a:pPr>
-            <a:r>
-              <a:t>• 安装 PyTorch 和 Hugging Face Transformers</a:t>
-            </a:r>
-          </a:p>
-          <a:p>
-            <a:pPr>
-              <a:spcAft>
-                <a:spcPts val="1200"/>
-              </a:spcAft>
-              <a:defRPr sz="2000"/>
-            </a:pPr>
-            <a:r>
-              <a:t>• 运行简单的文本分类示例以备后续实践之需</a:t>
-            </a:r>
-          </a:p>
-          <a:p>
-            <a:pPr>
-              <a:spcAft>
-                <a:spcPts val="1200"/>
-              </a:spcAft>
-              <a:defRPr sz="2000"/>
-            </a:pPr>
-            <a:r>
-              <a:t>• LoRA 微调  </a:t>
-            </a:r>
-          </a:p>
-        </p:txBody>
-      </p:sp>
-      <p:sp>
-        <p:nvSpPr>
-          <p:cNvPr id="4" name="Content Placeholder 3"/>
-          <p:cNvSpPr>
-            <a:spLocks noGrp="1"/>
-          </p:cNvSpPr>
-          <p:nvPr>
-            <p:ph idx="2" sz="half"/>
-          </p:nvPr>
-        </p:nvSpPr>
-        <p:spPr/>
-        <p:txBody>
-          <a:bodyPr/>
-          <a:lstStyle/>
-          <a:p/>
-          <a:p>
-            <a:pPr>
-              <a:spcAft>
-                <a:spcPts val="1200"/>
-              </a:spcAft>
-              <a:defRPr sz="2000"/>
-            </a:pPr>
-            <a:r>
-              <a:t>• Stanford Alpaca 案例（LLaMA 7B LoRA 应用）</a:t>
-            </a:r>
-          </a:p>
-          <a:p>
-            <a:pPr>
-              <a:spcAft>
-                <a:spcPts val="1200"/>
-              </a:spcAft>
-              <a:defRPr sz="2000"/>
-            </a:pPr>
-            <a:r>
-              <a:t>• 大规模模型如何通过少量数据进行微调的策略</a:t>
-            </a:r>
-          </a:p>
-          <a:p>
-            <a:pPr>
-              <a:spcAft>
-                <a:spcPts val="1200"/>
-              </a:spcAft>
-              <a:defRPr sz="2000"/>
-            </a:pPr>
-            <a:r>
-              <a:t>• 知识蒸馏及模型轻量化  </a:t>
-            </a:r>
-          </a:p>
-          <a:p>
-            <a:pPr>
-              <a:spcAft>
-                <a:spcPts val="1200"/>
-              </a:spcAft>
-              <a:defRPr sz="2000"/>
-            </a:pPr>
-            <a:r>
-              <a:t>• DistilBERT 和 TinyBERT 的诞生背景及其技术分析</a:t>
-            </a:r>
-          </a:p>
-          <a:p>
-            <a:pPr>
-              <a:spcAft>
-                <a:spcPts val="1200"/>
-              </a:spcAft>
-              <a:defRPr sz="2000"/>
-            </a:pPr>
-            <a:r>
-              <a:t>• 讨论适用于移动/嵌入式使用的定制小型模型架构设计</a:t>
-            </a:r>
-          </a:p>
-          <a:p>
-            <a:pPr>
-              <a:spcAft>
-                <a:spcPts val="1200"/>
-              </a:spcAft>
-              <a:defRPr sz="2000"/>
-            </a:pPr>
-            <a:r>
-              <a:t>• 选择课题（例如：特定领域 QA 模型优化）</a:t>
-            </a:r>
-          </a:p>
-          <a:p>
-            <a:pPr>
-              <a:spcAft>
-                <a:spcPts val="1200"/>
-              </a:spcAft>
-              <a:defRPr sz="2000"/>
-            </a:pPr>
-            <a:r>
-              <a:t>• 准备数据集及策略制定</a:t>
-            </a:r>
-          </a:p>
-          <a:p>
-            <a:pPr>
-              <a:spcAft>
-                <a:spcPts val="1200"/>
-              </a:spcAft>
-              <a:defRPr sz="2000"/>
-            </a:pPr>
-            <a:r>
-              <a:t>• 开始 LoRA 微调</a:t>
-            </a:r>
-          </a:p>
-          <a:p>
-            <a:pPr>
-              <a:spcAft>
-                <a:spcPts val="1200"/>
-              </a:spcAft>
-              <a:defRPr sz="2000"/>
-            </a:pPr>
-            <a:r>
-              <a:t>• 最终优化技术应用完成并整理结果</a:t>
-            </a:r>
-          </a:p>
-          <a:p>
-            <a:pPr>
-              <a:spcAft>
-                <a:spcPts val="1200"/>
-              </a:spcAft>
-              <a:defRPr sz="2000"/>
-            </a:pPr>
-            <a:r>
-              <a:t>• 评估模型性能和轻量化指标（速度、内存）</a:t>
-            </a:r>
-          </a:p>
-          <a:p>
-            <a:pPr>
-              <a:spcAft>
-                <a:spcPts val="1200"/>
-              </a:spcAft>
-              <a:defRPr sz="2000"/>
-            </a:pPr>
-            <a:r>
-              <a:t>• 团队成果展示</a:t>
-            </a:r>
-          </a:p>
-          <a:p>
-            <a:pPr>
-              <a:spcAft>
-                <a:spcPts val="1200"/>
-              </a:spcAft>
-              <a:defRPr sz="2000"/>
-            </a:pPr>
-            <a:r>
-              <a:t>• 应用技术比较及改进点讨论</a:t>
-            </a:r>
-          </a:p>
-          <a:p>
-            <a:pPr>
-              <a:spcAft>
-                <a:spcPts val="1200"/>
-              </a:spcAft>
-              <a:defRPr sz="2000"/>
-            </a:pPr>
-            <a:r>
-              <a:t>• 整个课程内容总结及 Q&amp;A</a:t>
-            </a:r>
-          </a:p>
-          <a:p>
-            <a:pPr>
-              <a:spcAft>
-                <a:spcPts val="1200"/>
-              </a:spcAft>
-              <a:defRPr sz="2000"/>
-            </a:pPr>
-            <a:r>
-              <a:t>• 请根据上述结构制作PPT，确保每张幻灯片的内容简洁明了，并且符合提供的文档要求。</a:t>
-            </a:r>
-          </a:p>
-        </p:txBody>
-      </p:sp>
-    </p:spTree>
-  </p:cSld>
-  <p:clrMapOvr>
-    <a:masterClrMapping/>
-  </p:clrMapOvr>
-</p:sld>
-</file>
-
-<file path=ppt/slides/slide13.xml><?xml version="1.0" encoding="utf-8"?>
-<p:sld xmlns:a="http://schemas.openxmlformats.org/drawingml/2006/main" xmlns:p="http://schemas.openxmlformats.org/presentationml/2006/main" xmlns:r="http://schemas.openxmlformats.org/officeDocument/2006/relationships">
-  <p:cSld>
-    <p:spTree>
-      <p:nvGrpSpPr>
-        <p:cNvPr id="1" name=""/>
-        <p:cNvGrpSpPr/>
-        <p:nvPr/>
-      </p:nvGrpSpPr>
-      <p:grpSpPr/>
-      <p:sp>
-        <p:nvSpPr>
-          <p:cNvPr id="2" name="Title 1"/>
-          <p:cNvSpPr>
-            <a:spLocks noGrp="1"/>
-          </p:cNvSpPr>
-          <p:nvPr>
-            <p:ph type="title"/>
-          </p:nvPr>
-        </p:nvSpPr>
-        <p:spPr>
-          <a:xfrm>
-            <a:off x="457200" y="274320"/>
-            <a:ext cx="11247120" cy="1097280"/>
-          </a:xfrm>
-          <a:solidFill>
-            <a:srgbClr val="F8FAFC"/>
-          </a:solidFill>
-        </p:spPr>
-        <p:txBody>
-          <a:bodyPr/>
-          <a:lstStyle/>
-          <a:p>
-            <a:pPr>
-              <a:defRPr sz="3600" b="1">
-                <a:solidFill>
-                  <a:srgbClr val="6366F1"/>
-                </a:solidFill>
-              </a:defRPr>
-            </a:pPr>
-            <a:r>
-              <a:t>FlowMate AI 교육과정 개요</a:t>
-            </a:r>
-          </a:p>
-        </p:txBody>
-      </p:sp>
-      <p:sp>
-        <p:nvSpPr>
-          <p:cNvPr id="3" name="Content Placeholder 2"/>
-          <p:cNvSpPr>
-            <a:spLocks noGrp="1"/>
-          </p:cNvSpPr>
-          <p:nvPr>
-            <p:ph idx="1"/>
-          </p:nvPr>
-        </p:nvSpPr>
-        <p:spPr/>
-        <p:txBody>
-          <a:bodyPr/>
-          <a:lstStyle/>
-          <a:p/>
-          <a:p>
-            <a:pPr>
-              <a:spcAft>
-                <a:spcPts val="1500"/>
-              </a:spcAft>
-              <a:defRPr sz="2200"/>
-            </a:pPr>
-            <a:r>
-              <a:t>▶ 과정 소개 및 목표 공유</a:t>
-            </a:r>
-          </a:p>
-          <a:p>
-            <a:pPr>
-              <a:spcAft>
-                <a:spcPts val="1500"/>
-              </a:spcAft>
-              <a:defRPr sz="2200"/>
-            </a:pPr>
-            <a:r>
-              <a:t>✓ 대규모 모델 파인튜닝의 비용/자원 문제점</a:t>
-            </a:r>
-          </a:p>
-          <a:p>
-            <a:pPr>
-              <a:spcAft>
-                <a:spcPts val="1500"/>
-              </a:spcAft>
-              <a:defRPr sz="2200"/>
-            </a:pPr>
-            <a:r>
-              <a:t>★ LoRA 개념 소개</a:t>
-            </a:r>
-          </a:p>
-        </p:txBody>
-      </p:sp>
-    </p:spTree>
-  </p:cSld>
-  <p:clrMapOvr>
-    <a:masterClrMapping/>
-  </p:clrMapOvr>
-</p:sld>
-</file>
-
-<file path=ppt/slides/slide14.xml><?xml version="1.0" encoding="utf-8"?>
-<p:sld xmlns:a="http://schemas.openxmlformats.org/drawingml/2006/main" xmlns:p="http://schemas.openxmlformats.org/presentationml/2006/main" xmlns:r="http://schemas.openxmlformats.org/officeDocument/2006/relationships">
-  <p:cSld>
-    <p:spTree>
-      <p:nvGrpSpPr>
-        <p:cNvPr id="1" name=""/>
-        <p:cNvGrpSpPr/>
-        <p:nvPr/>
-      </p:nvGrpSpPr>
-      <p:grpSpPr/>
-      <p:sp>
-        <p:nvSpPr>
-          <p:cNvPr id="2" name="Title 1"/>
-          <p:cNvSpPr>
-            <a:spLocks noGrp="1"/>
-          </p:cNvSpPr>
-          <p:nvPr>
-            <p:ph type="title"/>
-          </p:nvPr>
-        </p:nvSpPr>
-        <p:spPr>
-          <a:xfrm>
-            <a:off x="457200" y="274320"/>
-            <a:ext cx="11247120" cy="1097280"/>
-          </a:xfrm>
-          <a:solidFill>
-            <a:srgbClr val="F8FAFC"/>
-          </a:solidFill>
-        </p:spPr>
-        <p:txBody>
-          <a:bodyPr/>
-          <a:lstStyle/>
-          <a:p>
-            <a:pPr>
-              <a:defRPr sz="3600" b="1">
-                <a:solidFill>
-                  <a:srgbClr val="6366F1"/>
-                </a:solidFill>
-              </a:defRPr>
-            </a:pPr>
-            <a:r>
-              <a:t>제목 없음</a:t>
-            </a:r>
-          </a:p>
-        </p:txBody>
-      </p:sp>
-      <p:sp>
-        <p:nvSpPr>
-          <p:cNvPr id="3" name="Content Placeholder 2"/>
-          <p:cNvSpPr>
-            <a:spLocks noGrp="1"/>
-          </p:cNvSpPr>
-          <p:nvPr>
-            <p:ph idx="1"/>
-          </p:nvPr>
-        </p:nvSpPr>
-        <p:spPr/>
-        <p:txBody>
-          <a:bodyPr/>
-          <a:lstStyle/>
-          <a:p/>
-        </p:txBody>
-      </p:sp>
-    </p:spTree>
-  </p:cSld>
-  <p:clrMapOvr>
-    <a:masterClrMapping/>
-  </p:clrMapOvr>
-</p:sld>
-</file>
-
-<file path=ppt/slides/slide15.xml><?xml version="1.0" encoding="utf-8"?>
-<p:sld xmlns:a="http://schemas.openxmlformats.org/drawingml/2006/main" xmlns:p="http://schemas.openxmlformats.org/presentationml/2006/main" xmlns:r="http://schemas.openxmlformats.org/officeDocument/2006/relationships">
-  <p:cSld>
-    <p:spTree>
-      <p:nvGrpSpPr>
-        <p:cNvPr id="1" name=""/>
-        <p:cNvGrpSpPr/>
-        <p:nvPr/>
-      </p:nvGrpSpPr>
-      <p:grpSpPr/>
-      <p:sp>
-        <p:nvSpPr>
-          <p:cNvPr id="2" name="Title 1"/>
-          <p:cNvSpPr>
-            <a:spLocks noGrp="1"/>
-          </p:cNvSpPr>
-          <p:nvPr>
-            <p:ph type="ctrTitle"/>
-          </p:nvPr>
-        </p:nvSpPr>
-        <p:spPr/>
-        <p:txBody>
-          <a:bodyPr/>
-          <a:lstStyle/>
-          <a:p>
-            <a:pPr algn="ctr">
-              <a:defRPr sz="4400" b="1">
-                <a:solidFill>
-                  <a:srgbClr val="6366F1"/>
-                </a:solidFill>
-              </a:defRPr>
-            </a:pPr>
-            <a:r>
-              <a:t>감사합니다</a:t>
-            </a:r>
-          </a:p>
-        </p:txBody>
-      </p:sp>
-      <p:sp>
-        <p:nvSpPr>
-          <p:cNvPr id="3" name="Subtitle 2"/>
-          <p:cNvSpPr>
-            <a:spLocks noGrp="1"/>
-          </p:cNvSpPr>
-          <p:nvPr>
-            <p:ph type="subTitle" idx="1"/>
-          </p:nvPr>
-        </p:nvSpPr>
-        <p:spPr/>
-        <p:txBody>
-          <a:bodyPr/>
-          <a:lstStyle/>
-          <a:p>
-            <a:pPr algn="ctr">
-              <a:defRPr sz="2400">
-                <a:solidFill>
-                  <a:srgbClr val="4A5568"/>
-                </a:solidFill>
-              </a:defRPr>
-            </a:pPr>
-            <a:r>
-              <a:t>질문이 있으시면 언제든 말씀해 주세요</a:t>
             </a:r>
           </a:p>
         </p:txBody>
@@ -4060,7 +3200,7 @@
               </a:defRPr>
             </a:pPr>
             <a:r>
-              <a:t>FlowMate AI 교육과정 개요</a:t>
+              <a:t>광복절의 역사와 의미</a:t>
             </a:r>
           </a:p>
         </p:txBody>
@@ -4088,7 +3228,7 @@
               <a:defRPr sz="2200"/>
             </a:pPr>
             <a:r>
-              <a:t>▶ 과정 소개 및 목표 공유</a:t>
+              <a:t>▶ 1945년 8월 15일, 일본이 제2차 세계대전에서 패배하고 항복함</a:t>
             </a:r>
           </a:p>
           <a:p>
@@ -4099,18 +3239,7 @@
               <a:defRPr sz="2200"/>
             </a:pPr>
             <a:r>
-              <a:t>✓ 대규모 모델 파인튜닝의 비용/자원 문제점</a:t>
-            </a:r>
-          </a:p>
-          <a:p>
-            <a:pPr>
-              <a:spcAft>
-                <a:spcPts val="1500"/>
-              </a:spcAft>
-              <a:defRPr sz="2200"/>
-            </a:pPr>
-            <a:r>
-              <a:t>★ LoRA 개념 소개</a:t>
+              <a:t>✓ 대한민국과 일부 국가들이 이 날을 광복절로 기념</a:t>
             </a:r>
           </a:p>
         </p:txBody>
@@ -4164,7 +3293,7 @@
               </a:defRPr>
             </a:pPr>
             <a:r>
-              <a:t>LoRA 개요</a:t>
+              <a:t>광복절의 의미와 관련 사건</a:t>
             </a:r>
           </a:p>
         </p:txBody>
@@ -4192,7 +3321,7 @@
               <a:defRPr sz="2200"/>
             </a:pPr>
             <a:r>
-              <a:t>▶ LoRA 기본 개념: 저랭크 행렬을 통한 가중치 업데이트</a:t>
+              <a:t>▶ 박정희 대통령의 영부인 육영수 여사가 저격으로 서거한 날</a:t>
             </a:r>
           </a:p>
           <a:p>
@@ -4203,18 +3332,7 @@
               <a:defRPr sz="2200"/>
             </a:pPr>
             <a:r>
-              <a:t>✓ 메모리/스토리지 효율성 강조</a:t>
-            </a:r>
-          </a:p>
-          <a:p>
-            <a:pPr>
-              <a:spcAft>
-                <a:spcPts val="1500"/>
-              </a:spcAft>
-              <a:defRPr sz="2200"/>
-            </a:pPr>
-            <a:r>
-              <a:t>★ 파라미터 효율적 미세조정(PEFT) 개념 설명</a:t>
+              <a:t>✓ 서울 1호선(종로선) 개통일</a:t>
             </a:r>
           </a:p>
         </p:txBody>
@@ -4268,7 +3386,7 @@
               </a:defRPr>
             </a:pPr>
             <a:r>
-              <a:t>LoRA 심화 이론</a:t>
+              <a:t>광복절과 관련된 사회적 이슈</a:t>
             </a:r>
           </a:p>
         </p:txBody>
@@ -4296,7 +3414,7 @@
               <a:defRPr sz="2200"/>
             </a:pPr>
             <a:r>
-              <a:t>▶ LoRA 동작 원리: $W + BA$ 형태로 가중치 미세조정</a:t>
+              <a:t>▶ 2005년 삼풍백화점 위령비 앞에서의 코스프레 논란</a:t>
             </a:r>
           </a:p>
           <a:p>
@@ -4307,18 +3425,7 @@
               <a:defRPr sz="2200"/>
             </a:pPr>
             <a:r>
-              <a:t>✓ 하이퍼파라미터 (랭크 r, 스케일 α, 드롭아웃 등) 설명</a:t>
-            </a:r>
-          </a:p>
-          <a:p>
-            <a:pPr>
-              <a:spcAft>
-                <a:spcPts val="1500"/>
-              </a:spcAft>
-              <a:defRPr sz="2200"/>
-            </a:pPr>
-            <a:r>
-              <a:t>★ 훈련 파라미터 수 감소 및 기존 모델 활용성 강조</a:t>
+              <a:t>✓ 2015년 일본식 선술집 사장이 작성한 문구로 인한 논란</a:t>
             </a:r>
           </a:p>
         </p:txBody>
@@ -4372,7 +3479,7 @@
               </a:defRPr>
             </a:pPr>
             <a:r>
-              <a:t>LoRA 적용 실습</a:t>
+              <a:t>다른 나라들의 기념일</a:t>
             </a:r>
           </a:p>
         </p:txBody>
@@ -4400,7 +3507,7 @@
               <a:defRPr sz="2200"/>
             </a:pPr>
             <a:r>
-              <a:t>▶ 개발 환경 설정 안내 (Anaconda/venv 사용)</a:t>
+              <a:t>▶ 영국, 뉴질랜드, 호주 등에서의 종전기념일</a:t>
             </a:r>
           </a:p>
           <a:p>
@@ -4411,7 +3518,7 @@
               <a:defRPr sz="2200"/>
             </a:pPr>
             <a:r>
-              <a:t>✓ PyTorch 및 Hugging Face Transformers 설치</a:t>
+              <a:t>✓ 일본의 전몰자 추도 및 평화 기원 날</a:t>
             </a:r>
           </a:p>
           <a:p>
@@ -4422,7 +3529,7 @@
               <a:defRPr sz="2200"/>
             </a:pPr>
             <a:r>
-              <a:t>★ 간단한 텍스트 분류 예제 실행</a:t>
+              <a:t>★ 중국과 대만의 대일항쟁 승리기념일</a:t>
             </a:r>
           </a:p>
         </p:txBody>
@@ -4476,7 +3583,7 @@
               </a:defRPr>
             </a:pPr>
             <a:r>
-              <a:t>실제 적용 사례 1 - LoRA 파인튜닝</a:t>
+              <a:t>광복절의 현황과 논란</a:t>
             </a:r>
           </a:p>
         </p:txBody>
@@ -4504,7 +3611,7 @@
               <a:defRPr sz="2200"/>
             </a:pPr>
             <a:r>
-              <a:t>▶ LoRA 파인튜닝</a:t>
+              <a:t>▶ 대한민국에서의 공휴일 지정 여부와 사회적 반응</a:t>
             </a:r>
           </a:p>
           <a:p>
@@ -4515,18 +3622,7 @@
               <a:defRPr sz="2200"/>
             </a:pPr>
             <a:r>
-              <a:t>✓ Stanford Alpaca 사례 (LLaMA 7B LoRA 적용)</a:t>
-            </a:r>
-          </a:p>
-          <a:p>
-            <a:pPr>
-              <a:spcAft>
-                <a:spcPts val="1500"/>
-              </a:spcAft>
-              <a:defRPr sz="2200"/>
-            </a:pPr>
-            <a:r>
-              <a:t>★ 대규모 모델을 소규모 데이터로 튜닝하는 전략</a:t>
+              <a:t>✓ 일본에서의 종전기념일 해석과 관련 논쟁</a:t>
             </a:r>
           </a:p>
         </p:txBody>
@@ -4580,7 +3676,7 @@
               </a:defRPr>
             </a:pPr>
             <a:r>
-              <a:t>실제 적용 사례 2 - 지식 증류 및 모델 경량화</a:t>
+              <a:t>결론</a:t>
             </a:r>
           </a:p>
         </p:txBody>
@@ -4608,7 +3704,7 @@
               <a:defRPr sz="2200"/>
             </a:pPr>
             <a:r>
-              <a:t>▶ 지식 증류 및 모델 경량화</a:t>
+              <a:t>▶ 광복절은 나라마다 다양한 의미로 기념됨</a:t>
             </a:r>
           </a:p>
           <a:p>
@@ -4619,18 +3715,7 @@
               <a:defRPr sz="2200"/>
             </a:pPr>
             <a:r>
-              <a:t>✓ DistilBERT, TinyBERT 탄생 배경 및 기법 분석</a:t>
-            </a:r>
-          </a:p>
-          <a:p>
-            <a:pPr>
-              <a:spcAft>
-                <a:spcPts val="1500"/>
-              </a:spcAft>
-              <a:defRPr sz="2200"/>
-            </a:pPr>
-            <a:r>
-              <a:t>★ 모바일/임베디드 활용 모델 설계 토론</a:t>
+              <a:t>✓ 역사적 사실과 현대적 가치를 고려한 다각적인 접근 필요</a:t>
             </a:r>
           </a:p>
         </p:txBody>
@@ -4660,174 +3745,51 @@
             <a:spLocks noGrp="1"/>
           </p:cNvSpPr>
           <p:nvPr>
-            <p:ph type="title"/>
-          </p:nvPr>
-        </p:nvSpPr>
-        <p:spPr>
-          <a:xfrm>
-            <a:off x="457200" y="274320"/>
-            <a:ext cx="11247120" cy="1097280"/>
-          </a:xfrm>
-          <a:solidFill>
-            <a:srgbClr val="F8FAFC"/>
-          </a:solidFill>
-        </p:spPr>
-        <p:txBody>
-          <a:bodyPr/>
-          <a:lstStyle/>
-          <a:p>
-            <a:pPr>
-              <a:defRPr sz="3600" b="1">
+            <p:ph type="ctrTitle"/>
+          </p:nvPr>
+        </p:nvSpPr>
+        <p:spPr/>
+        <p:txBody>
+          <a:bodyPr/>
+          <a:lstStyle/>
+          <a:p>
+            <a:pPr algn="ctr">
+              <a:defRPr sz="4400" b="1">
                 <a:solidFill>
                   <a:srgbClr val="6366F1"/>
                 </a:solidFill>
               </a:defRPr>
             </a:pPr>
             <a:r>
-              <a:t>통합 프로젝트 실습 (1)</a:t>
-            </a:r>
-          </a:p>
-        </p:txBody>
-      </p:sp>
-      <p:sp>
-        <p:nvSpPr>
-          <p:cNvPr id="3" name="Content Placeholder 2"/>
-          <p:cNvSpPr>
-            <a:spLocks noGrp="1"/>
-          </p:cNvSpPr>
-          <p:nvPr>
-            <p:ph idx="1"/>
-          </p:nvPr>
-        </p:nvSpPr>
-        <p:spPr/>
-        <p:txBody>
-          <a:bodyPr/>
-          <a:lstStyle/>
-          <a:p/>
-          <a:p>
-            <a:pPr>
-              <a:spcAft>
-                <a:spcPts val="1500"/>
-              </a:spcAft>
-              <a:defRPr sz="2200"/>
-            </a:pPr>
-            <a:r>
-              <a:t>▶ 과제 선택 (예: 특정 도메인 QA 모델 최적화)</a:t>
-            </a:r>
-          </a:p>
-          <a:p>
-            <a:pPr>
-              <a:spcAft>
-                <a:spcPts val="1500"/>
-              </a:spcAft>
-              <a:defRPr sz="2200"/>
-            </a:pPr>
-            <a:r>
-              <a:t>✓ 사전 데이터셋 준비 및 전략 수립</a:t>
-            </a:r>
-          </a:p>
-          <a:p>
-            <a:pPr>
-              <a:spcAft>
-                <a:spcPts val="1500"/>
-              </a:spcAft>
-              <a:defRPr sz="2200"/>
-            </a:pPr>
-            <a:r>
-              <a:t>★ LoRA 미세조정 착수</a:t>
-            </a:r>
-          </a:p>
-        </p:txBody>
-      </p:sp>
-    </p:spTree>
-  </p:cSld>
-  <p:clrMapOvr>
-    <a:masterClrMapping/>
-  </p:clrMapOvr>
-</p:sld>
-</file>
-
-<file path=ppt/slides/slide9.xml><?xml version="1.0" encoding="utf-8"?>
-<p:sld xmlns:a="http://schemas.openxmlformats.org/drawingml/2006/main" xmlns:p="http://schemas.openxmlformats.org/presentationml/2006/main" xmlns:r="http://schemas.openxmlformats.org/officeDocument/2006/relationships">
-  <p:cSld>
-    <p:spTree>
-      <p:nvGrpSpPr>
-        <p:cNvPr id="1" name=""/>
-        <p:cNvGrpSpPr/>
-        <p:nvPr/>
-      </p:nvGrpSpPr>
-      <p:grpSpPr/>
-      <p:sp>
-        <p:nvSpPr>
-          <p:cNvPr id="2" name="Title 1"/>
-          <p:cNvSpPr>
-            <a:spLocks noGrp="1"/>
-          </p:cNvSpPr>
-          <p:nvPr>
-            <p:ph type="title"/>
-          </p:nvPr>
-        </p:nvSpPr>
-        <p:spPr>
-          <a:xfrm>
-            <a:off x="457200" y="274320"/>
-            <a:ext cx="11247120" cy="1097280"/>
-          </a:xfrm>
-          <a:solidFill>
-            <a:srgbClr val="F8FAFC"/>
-          </a:solidFill>
-        </p:spPr>
-        <p:txBody>
-          <a:bodyPr/>
-          <a:lstStyle/>
-          <a:p>
-            <a:pPr>
-              <a:defRPr sz="3600" b="1">
+              <a:t>감사합니다</a:t>
+            </a:r>
+          </a:p>
+        </p:txBody>
+      </p:sp>
+      <p:sp>
+        <p:nvSpPr>
+          <p:cNvPr id="3" name="Subtitle 2"/>
+          <p:cNvSpPr>
+            <a:spLocks noGrp="1"/>
+          </p:cNvSpPr>
+          <p:nvPr>
+            <p:ph type="subTitle" idx="1"/>
+          </p:nvPr>
+        </p:nvSpPr>
+        <p:spPr/>
+        <p:txBody>
+          <a:bodyPr/>
+          <a:lstStyle/>
+          <a:p>
+            <a:pPr algn="ctr">
+              <a:defRPr sz="2400">
                 <a:solidFill>
-                  <a:srgbClr val="6366F1"/>
+                  <a:srgbClr val="4A5568"/>
                 </a:solidFill>
               </a:defRPr>
             </a:pPr>
             <a:r>
-              <a:t>통합 프로젝트 실습 (2)</a:t>
-            </a:r>
-          </a:p>
-        </p:txBody>
-      </p:sp>
-      <p:sp>
-        <p:nvSpPr>
-          <p:cNvPr id="3" name="Content Placeholder 2"/>
-          <p:cNvSpPr>
-            <a:spLocks noGrp="1"/>
-          </p:cNvSpPr>
-          <p:nvPr>
-            <p:ph idx="1"/>
-          </p:nvPr>
-        </p:nvSpPr>
-        <p:spPr/>
-        <p:txBody>
-          <a:bodyPr/>
-          <a:lstStyle/>
-          <a:p/>
-          <a:p>
-            <a:pPr>
-              <a:spcAft>
-                <a:spcPts val="1500"/>
-              </a:spcAft>
-              <a:defRPr sz="2200"/>
-            </a:pPr>
-            <a:r>
-              <a:t>▶ 최적화 기법 적용 완료 및 결과 정리</a:t>
-            </a:r>
-          </a:p>
-          <a:p>
-            <a:pPr>
-              <a:spcAft>
-                <a:spcPts val="1500"/>
-              </a:spcAft>
-              <a:defRPr sz="2200"/>
-            </a:pPr>
-            <a:r>
-              <a:t>✓ 모델 성능 및 경량화 지표 평가 (속도, 메모리)</a:t>
+              <a:t>질문이 있으시면 언제든 말씀해 주세요</a:t>
             </a:r>
           </a:p>
         </p:txBody>

--- a/uploads/pptx_sample.pptx
+++ b/uploads/pptx_sample.pptx
@@ -13,6 +13,7 @@
     <p:sldId id="261" r:id="rId12"/>
     <p:sldId id="262" r:id="rId13"/>
     <p:sldId id="263" r:id="rId14"/>
+    <p:sldId id="264" r:id="rId15"/>
   </p:sldIdLst>
   <p:sldSz cx="12188952" cy="6858000" type="screen4x3"/>
   <p:notesSz cx="6858000" cy="9144000"/>
@@ -3118,7 +3119,7 @@
               </a:defRPr>
             </a:pPr>
             <a:r>
-              <a:t>광복절의 역사와 의미</a:t>
+              <a:t>제목: 광복절의 의미와 역사</a:t>
             </a:r>
           </a:p>
         </p:txBody>
@@ -3200,7 +3201,7 @@
               </a:defRPr>
             </a:pPr>
             <a:r>
-              <a:t>광복절의 역사와 의미</a:t>
+              <a:t>제목: 광복절의 의미와 역사</a:t>
             </a:r>
           </a:p>
         </p:txBody>
@@ -3228,7 +3229,7 @@
               <a:defRPr sz="2200"/>
             </a:pPr>
             <a:r>
-              <a:t>▶ 1945년 8월 15일, 일본이 제2차 세계대전에서 패배하고 항복함</a:t>
+              <a:t>▶ 1945년 8월 15일, 일본 제국의 패망으로 한국이 식민지배로부터 해방된 날</a:t>
             </a:r>
           </a:p>
           <a:p>
@@ -3239,7 +3240,18 @@
               <a:defRPr sz="2200"/>
             </a:pPr>
             <a:r>
-              <a:t>✓ 대한민국과 일부 국가들이 이 날을 광복절로 기념</a:t>
+              <a:t>✓ 1948년 8월 15일, 대한민국 정부 수립</a:t>
+            </a:r>
+          </a:p>
+          <a:p>
+            <a:pPr>
+              <a:spcAft>
+                <a:spcPts val="1500"/>
+              </a:spcAft>
+              <a:defRPr sz="2200"/>
+            </a:pPr>
+            <a:r>
+              <a:t>★ 1949년 5월, 광복절로 명칭 변경</a:t>
             </a:r>
           </a:p>
         </p:txBody>
@@ -3293,7 +3305,27 @@
               </a:defRPr>
             </a:pPr>
             <a:r>
-              <a:t>광복절의 의미와 관련 사건</a:t>
+              <a:t>광복절의 문화적 의미</a:t>
+            </a:r>
+          </a:p>
+          <a:p>
+            <a:r>
+              <a:t>핵심 포인트:</a:t>
+            </a:r>
+          </a:p>
+          <a:p>
+            <a:r>
+              <a:t>- 대한민국의 국경일 중 하나</a:t>
+            </a:r>
+          </a:p>
+          <a:p>
+            <a:r>
+              <a:t>- 경축행사와 대통령 경축 연설</a:t>
+            </a:r>
+          </a:p>
+          <a:p>
+            <a:r>
+              <a:t>- 방송사 특선 프로그램, 서브컬쳐에서 한국인 캐릭터 등장</a:t>
             </a:r>
           </a:p>
         </p:txBody>
@@ -3321,7 +3353,7 @@
               <a:defRPr sz="2200"/>
             </a:pPr>
             <a:r>
-              <a:t>▶ 박정희 대통령의 영부인 육영수 여사가 저격으로 서거한 날</a:t>
+              <a:t>▶ 대한민국의 국경일 중 하나</a:t>
             </a:r>
           </a:p>
           <a:p>
@@ -3332,7 +3364,18 @@
               <a:defRPr sz="2200"/>
             </a:pPr>
             <a:r>
-              <a:t>✓ 서울 1호선(종로선) 개통일</a:t>
+              <a:t>✓ 경축행사와 대통령 경축 연설</a:t>
+            </a:r>
+          </a:p>
+          <a:p>
+            <a:pPr>
+              <a:spcAft>
+                <a:spcPts val="1500"/>
+              </a:spcAft>
+              <a:defRPr sz="2200"/>
+            </a:pPr>
+            <a:r>
+              <a:t>★ 방송사 특선 프로그램, 서브컬쳐에서 한국인 캐릭터 등장</a:t>
             </a:r>
           </a:p>
         </p:txBody>
@@ -3386,7 +3429,27 @@
               </a:defRPr>
             </a:pPr>
             <a:r>
-              <a:t>광복절과 관련된 사회적 이슈</a:t>
+              <a:t>광복절 노래</a:t>
+            </a:r>
+          </a:p>
+          <a:p>
+            <a:r>
+              <a:t>핵심 포인트:</a:t>
+            </a:r>
+          </a:p>
+          <a:p>
+            <a:r>
+              <a:t>- 정인보 작사, 윤용하 작곡의 "광복절 노래"</a:t>
+            </a:r>
+          </a:p>
+          <a:p>
+            <a:r>
+              <a:t>- 1950년 문교부 제정</a:t>
+            </a:r>
+          </a:p>
+          <a:p>
+            <a:r>
+              <a:t>- 무조건 사자자리 태어난 사람</a:t>
             </a:r>
           </a:p>
         </p:txBody>
@@ -3414,7 +3477,7 @@
               <a:defRPr sz="2200"/>
             </a:pPr>
             <a:r>
-              <a:t>▶ 2005년 삼풍백화점 위령비 앞에서의 코스프레 논란</a:t>
+              <a:t>▶ 정인보 작사, 윤용하 작곡의 "광복절 노래"</a:t>
             </a:r>
           </a:p>
           <a:p>
@@ -3425,7 +3488,18 @@
               <a:defRPr sz="2200"/>
             </a:pPr>
             <a:r>
-              <a:t>✓ 2015년 일본식 선술집 사장이 작성한 문구로 인한 논란</a:t>
+              <a:t>✓ 1950년 문교부 제정</a:t>
+            </a:r>
+          </a:p>
+          <a:p>
+            <a:pPr>
+              <a:spcAft>
+                <a:spcPts val="1500"/>
+              </a:spcAft>
+              <a:defRPr sz="2200"/>
+            </a:pPr>
+            <a:r>
+              <a:t>★ 무조건 사자자리 태어난 사람</a:t>
             </a:r>
           </a:p>
         </p:txBody>
@@ -3479,7 +3553,27 @@
               </a:defRPr>
             </a:pPr>
             <a:r>
-              <a:t>다른 나라들의 기념일</a:t>
+              <a:t>광복절 경축식 역사</a:t>
+            </a:r>
+          </a:p>
+          <a:p>
+            <a:r>
+              <a:t>핵심 포인트:</a:t>
+            </a:r>
+          </a:p>
+          <a:p>
+            <a:r>
+              <a:t>- 1946년부터 시작, 다양한 장소에서 개최</a:t>
+            </a:r>
+          </a:p>
+          <a:p>
+            <a:r>
+              <a:t>- 2005년 광화문 앞 특설 행사장까지 이어짐</a:t>
+            </a:r>
+          </a:p>
+          <a:p>
+            <a:r>
+              <a:t>- 2024년 독립기념관 경축식 취소</a:t>
             </a:r>
           </a:p>
         </p:txBody>
@@ -3507,7 +3601,7 @@
               <a:defRPr sz="2200"/>
             </a:pPr>
             <a:r>
-              <a:t>▶ 영국, 뉴질랜드, 호주 등에서의 종전기념일</a:t>
+              <a:t>▶ 1946년부터 시작, 다양한 장소에서 개최</a:t>
             </a:r>
           </a:p>
           <a:p>
@@ -3518,7 +3612,7 @@
               <a:defRPr sz="2200"/>
             </a:pPr>
             <a:r>
-              <a:t>✓ 일본의 전몰자 추도 및 평화 기원 날</a:t>
+              <a:t>✓ 2005년 광화문 앞 특설 행사장까지 이어짐</a:t>
             </a:r>
           </a:p>
           <a:p>
@@ -3529,7 +3623,7 @@
               <a:defRPr sz="2200"/>
             </a:pPr>
             <a:r>
-              <a:t>★ 중국과 대만의 대일항쟁 승리기념일</a:t>
+              <a:t>★ 2024년 독립기념관 경축식 취소</a:t>
             </a:r>
           </a:p>
         </p:txBody>
@@ -3583,7 +3677,27 @@
               </a:defRPr>
             </a:pPr>
             <a:r>
-              <a:t>광복절의 현황과 논란</a:t>
+              <a:t>논란과 사건 사고</a:t>
+            </a:r>
+          </a:p>
+          <a:p>
+            <a:r>
+              <a:t>핵심 포인트:</a:t>
+            </a:r>
+          </a:p>
+          <a:p>
+            <a:r>
+              <a:t>- 2015년 일본식 선술집 사장의 논란</a:t>
+            </a:r>
+          </a:p>
+          <a:p>
+            <a:r>
+              <a:t>- 2023년 폭주족들의 문제</a:t>
+            </a:r>
+          </a:p>
+          <a:p>
+            <a:r>
+              <a:t>- 2024년 독립기념관 경축식 취소</a:t>
             </a:r>
           </a:p>
         </p:txBody>
@@ -3611,7 +3725,7 @@
               <a:defRPr sz="2200"/>
             </a:pPr>
             <a:r>
-              <a:t>▶ 대한민국에서의 공휴일 지정 여부와 사회적 반응</a:t>
+              <a:t>▶ 2015년 일본식 선술집 사장의 논란</a:t>
             </a:r>
           </a:p>
           <a:p>
@@ -3622,7 +3736,18 @@
               <a:defRPr sz="2200"/>
             </a:pPr>
             <a:r>
-              <a:t>✓ 일본에서의 종전기념일 해석과 관련 논쟁</a:t>
+              <a:t>✓ 2023년 폭주족들의 문제</a:t>
+            </a:r>
+          </a:p>
+          <a:p>
+            <a:pPr>
+              <a:spcAft>
+                <a:spcPts val="1500"/>
+              </a:spcAft>
+              <a:defRPr sz="2200"/>
+            </a:pPr>
+            <a:r>
+              <a:t>★ 2024년 독립기념관 경축식 취소</a:t>
             </a:r>
           </a:p>
         </p:txBody>
@@ -3676,7 +3801,27 @@
               </a:defRPr>
             </a:pPr>
             <a:r>
-              <a:t>결론</a:t>
+              <a:t>해외의 비슷한 기념일</a:t>
+            </a:r>
+          </a:p>
+          <a:p>
+            <a:r>
+              <a:t>핵심 포인트:</a:t>
+            </a:r>
+          </a:p>
+          <a:p>
+            <a:r>
+              <a:t>- 영국, 런던에서 대일 승전 퍼레이드</a:t>
+            </a:r>
+          </a:p>
+          <a:p>
+            <a:r>
+              <a:t>- 대만, 10월 25일 대만광복절</a:t>
+            </a:r>
+          </a:p>
+          <a:p>
+            <a:r>
+              <a:t>- 일본, 종전기념일로 추도식 거행</a:t>
             </a:r>
           </a:p>
         </p:txBody>
@@ -3704,7 +3849,7 @@
               <a:defRPr sz="2200"/>
             </a:pPr>
             <a:r>
-              <a:t>▶ 광복절은 나라마다 다양한 의미로 기념됨</a:t>
+              <a:t>▶ 영국, 런던에서 대일 승전 퍼레이드</a:t>
             </a:r>
           </a:p>
           <a:p>
@@ -3715,7 +3860,18 @@
               <a:defRPr sz="2200"/>
             </a:pPr>
             <a:r>
-              <a:t>✓ 역사적 사실과 현대적 가치를 고려한 다각적인 접근 필요</a:t>
+              <a:t>✓ 대만, 10월 25일 대만광복절</a:t>
+            </a:r>
+          </a:p>
+          <a:p>
+            <a:pPr>
+              <a:spcAft>
+                <a:spcPts val="1500"/>
+              </a:spcAft>
+              <a:defRPr sz="2200"/>
+            </a:pPr>
+            <a:r>
+              <a:t>★ 일본, 종전기념일로 추도식 거행</a:t>
             </a:r>
           </a:p>
         </p:txBody>
@@ -3729,6 +3885,130 @@
 </file>
 
 <file path=ppt/slides/slide8.xml><?xml version="1.0" encoding="utf-8"?>
+<p:sld xmlns:a="http://schemas.openxmlformats.org/drawingml/2006/main" xmlns:p="http://schemas.openxmlformats.org/presentationml/2006/main" xmlns:r="http://schemas.openxmlformats.org/officeDocument/2006/relationships">
+  <p:cSld>
+    <p:spTree>
+      <p:nvGrpSpPr>
+        <p:cNvPr id="1" name=""/>
+        <p:cNvGrpSpPr/>
+        <p:nvPr/>
+      </p:nvGrpSpPr>
+      <p:grpSpPr/>
+      <p:sp>
+        <p:nvSpPr>
+          <p:cNvPr id="2" name="Title 1"/>
+          <p:cNvSpPr>
+            <a:spLocks noGrp="1"/>
+          </p:cNvSpPr>
+          <p:nvPr>
+            <p:ph type="title"/>
+          </p:nvPr>
+        </p:nvSpPr>
+        <p:spPr>
+          <a:xfrm>
+            <a:off x="457200" y="274320"/>
+            <a:ext cx="11247120" cy="1097280"/>
+          </a:xfrm>
+          <a:solidFill>
+            <a:srgbClr val="F8FAFC"/>
+          </a:solidFill>
+        </p:spPr>
+        <p:txBody>
+          <a:bodyPr/>
+          <a:lstStyle/>
+          <a:p>
+            <a:pPr>
+              <a:defRPr sz="3600" b="1">
+                <a:solidFill>
+                  <a:srgbClr val="6366F1"/>
+                </a:solidFill>
+              </a:defRPr>
+            </a:pPr>
+            <a:r>
+              <a:t>광복절의 현대적 의미</a:t>
+            </a:r>
+          </a:p>
+          <a:p>
+            <a:r>
+              <a:t>핵심 포인트:</a:t>
+            </a:r>
+          </a:p>
+          <a:p>
+            <a:r>
+              <a:t>- 여름방학 중에 있는 날</a:t>
+            </a:r>
+          </a:p>
+          <a:p>
+            <a:r>
+              <a:t>- 이름을 '광복'으로 짓는 경우</a:t>
+            </a:r>
+          </a:p>
+          <a:p>
+            <a:r>
+              <a:t>- 반려동물 이름으로 사용하는 경우</a:t>
+            </a:r>
+          </a:p>
+        </p:txBody>
+      </p:sp>
+      <p:sp>
+        <p:nvSpPr>
+          <p:cNvPr id="3" name="Content Placeholder 2"/>
+          <p:cNvSpPr>
+            <a:spLocks noGrp="1"/>
+          </p:cNvSpPr>
+          <p:nvPr>
+            <p:ph idx="1"/>
+          </p:nvPr>
+        </p:nvSpPr>
+        <p:spPr/>
+        <p:txBody>
+          <a:bodyPr/>
+          <a:lstStyle/>
+          <a:p/>
+          <a:p>
+            <a:pPr>
+              <a:spcAft>
+                <a:spcPts val="1500"/>
+              </a:spcAft>
+              <a:defRPr sz="2200"/>
+            </a:pPr>
+            <a:r>
+              <a:t>▶ 여름방학 중에 있는 날</a:t>
+            </a:r>
+          </a:p>
+          <a:p>
+            <a:pPr>
+              <a:spcAft>
+                <a:spcPts val="1500"/>
+              </a:spcAft>
+              <a:defRPr sz="2200"/>
+            </a:pPr>
+            <a:r>
+              <a:t>✓ 이름을 '광복'으로 짓는 경우</a:t>
+            </a:r>
+          </a:p>
+          <a:p>
+            <a:pPr>
+              <a:spcAft>
+                <a:spcPts val="1500"/>
+              </a:spcAft>
+              <a:defRPr sz="2200"/>
+            </a:pPr>
+            <a:r>
+              <a:t>★ 반려동물 이름으로 사용하는 경우</a:t>
+            </a:r>
+          </a:p>
+        </p:txBody>
+      </p:sp>
+    </p:spTree>
+  </p:cSld>
+  <p:clrMapOvr>
+    <a:masterClrMapping/>
+  </p:clrMapOvr>
+</p:sld>
+</file>
+
+<file path=ppt/slides/slide9.xml><?xml version="1.0" encoding="utf-8"?>
 <p:sld xmlns:a="http://schemas.openxmlformats.org/drawingml/2006/main" xmlns:p="http://schemas.openxmlformats.org/presentationml/2006/main" xmlns:r="http://schemas.openxmlformats.org/officeDocument/2006/relationships">
   <p:cSld>
     <p:spTree>
